--- a/projetweb.pptx
+++ b/projetweb.pptx
@@ -125,6 +125,11 @@
       </a:defRPr>
     </a:lvl9pPr>
   </p:defaultTextStyle>
+  <p:extLst>
+    <p:ext uri="{EFAFB233-063F-42B5-8137-9DF3F51BA10A}">
+      <p15:sldGuideLst xmlns:p15="http://schemas.microsoft.com/office/powerpoint/2012/main"/>
+    </p:ext>
+  </p:extLst>
 </p:presentation>
 </file>
 
@@ -1346,7 +1351,11 @@
           </a:r>
           <a:r>
             <a:rPr lang="fr-FR" dirty="0"/>
-            <a:t> a Web application</a:t>
+            <a:t> a </a:t>
+          </a:r>
+          <a:r>
+            <a:rPr lang="fr-FR" dirty="0" err="1"/>
+            <a:t>WebSite</a:t>
           </a:r>
           <a:endParaRPr lang="en-US" dirty="0"/>
         </a:p>
@@ -1837,7 +1846,11 @@
           </a:r>
           <a:r>
             <a:rPr lang="fr-FR" sz="2600" kern="1200" dirty="0"/>
-            <a:t> a Web application</a:t>
+            <a:t> a </a:t>
+          </a:r>
+          <a:r>
+            <a:rPr lang="fr-FR" sz="2600" kern="1200" dirty="0" err="1"/>
+            <a:t>WebSite</a:t>
           </a:r>
           <a:endParaRPr lang="en-US" sz="2600" kern="1200" dirty="0"/>
         </a:p>
@@ -3823,7 +3836,7 @@
           <a:noFill/>
           <a:extLst>
             <a:ext uri="{909E8E84-426E-40dd-AFC4-6F175D3DCCD1}">
-              <a14:hiddenFill xmlns:a14="http://schemas.microsoft.com/office/drawing/2010/main" xmlns="">
+              <a14:hiddenFill xmlns="" xmlns:a14="http://schemas.microsoft.com/office/drawing/2010/main">
                 <a:solidFill>
                   <a:srgbClr val="FFFFFF"/>
                 </a:solidFill>
@@ -3883,7 +3896,7 @@
             </a:ln>
             <a:extLst>
               <a:ext uri="{91240B29-F687-4f45-9708-019B960494DF}">
-                <a14:hiddenLine xmlns:a14="http://schemas.microsoft.com/office/drawing/2010/main" xmlns="" w="9525">
+                <a14:hiddenLine xmlns="" xmlns:a14="http://schemas.microsoft.com/office/drawing/2010/main" w="9525">
                   <a:solidFill>
                     <a:srgbClr val="000000"/>
                   </a:solidFill>
@@ -3973,7 +3986,7 @@
             </a:ln>
             <a:extLst>
               <a:ext uri="{91240B29-F687-4f45-9708-019B960494DF}">
-                <a14:hiddenLine xmlns:a14="http://schemas.microsoft.com/office/drawing/2010/main" xmlns="" w="9525">
+                <a14:hiddenLine xmlns="" xmlns:a14="http://schemas.microsoft.com/office/drawing/2010/main" w="9525">
                   <a:solidFill>
                     <a:srgbClr val="000000"/>
                   </a:solidFill>
@@ -4063,7 +4076,7 @@
             </a:ln>
             <a:extLst>
               <a:ext uri="{91240B29-F687-4f45-9708-019B960494DF}">
-                <a14:hiddenLine xmlns:a14="http://schemas.microsoft.com/office/drawing/2010/main" xmlns="" w="9525">
+                <a14:hiddenLine xmlns="" xmlns:a14="http://schemas.microsoft.com/office/drawing/2010/main" w="9525">
                   <a:solidFill>
                     <a:srgbClr val="000000"/>
                   </a:solidFill>
@@ -4097,7 +4110,7 @@
             </a:ln>
             <a:extLst>
               <a:ext uri="{91240B29-F687-4f45-9708-019B960494DF}">
-                <a14:hiddenLine xmlns:a14="http://schemas.microsoft.com/office/drawing/2010/main" xmlns="" w="9525">
+                <a14:hiddenLine xmlns="" xmlns:a14="http://schemas.microsoft.com/office/drawing/2010/main" w="9525">
                   <a:solidFill>
                     <a:srgbClr val="000000"/>
                   </a:solidFill>
@@ -4187,7 +4200,7 @@
             </a:ln>
             <a:extLst>
               <a:ext uri="{91240B29-F687-4f45-9708-019B960494DF}">
-                <a14:hiddenLine xmlns:a14="http://schemas.microsoft.com/office/drawing/2010/main" xmlns="" w="9525">
+                <a14:hiddenLine xmlns="" xmlns:a14="http://schemas.microsoft.com/office/drawing/2010/main" w="9525">
                   <a:solidFill>
                     <a:srgbClr val="000000"/>
                   </a:solidFill>
@@ -4249,7 +4262,7 @@
             </a:ln>
             <a:extLst>
               <a:ext uri="{91240B29-F687-4f45-9708-019B960494DF}">
-                <a14:hiddenLine xmlns:a14="http://schemas.microsoft.com/office/drawing/2010/main" xmlns="" w="9525">
+                <a14:hiddenLine xmlns="" xmlns:a14="http://schemas.microsoft.com/office/drawing/2010/main" w="9525">
                   <a:solidFill>
                     <a:srgbClr val="000000"/>
                   </a:solidFill>
@@ -4311,7 +4324,7 @@
             </a:ln>
             <a:extLst>
               <a:ext uri="{91240B29-F687-4f45-9708-019B960494DF}">
-                <a14:hiddenLine xmlns:a14="http://schemas.microsoft.com/office/drawing/2010/main" xmlns="" w="9525">
+                <a14:hiddenLine xmlns="" xmlns:a14="http://schemas.microsoft.com/office/drawing/2010/main" w="9525">
                   <a:solidFill>
                     <a:srgbClr val="000000"/>
                   </a:solidFill>
@@ -4401,7 +4414,7 @@
             </a:ln>
             <a:extLst>
               <a:ext uri="{91240B29-F687-4f45-9708-019B960494DF}">
-                <a14:hiddenLine xmlns:a14="http://schemas.microsoft.com/office/drawing/2010/main" xmlns="" w="9525">
+                <a14:hiddenLine xmlns="" xmlns:a14="http://schemas.microsoft.com/office/drawing/2010/main" w="9525">
                   <a:solidFill>
                     <a:srgbClr val="000000"/>
                   </a:solidFill>
@@ -4463,7 +4476,7 @@
             </a:ln>
             <a:extLst>
               <a:ext uri="{91240B29-F687-4f45-9708-019B960494DF}">
-                <a14:hiddenLine xmlns:a14="http://schemas.microsoft.com/office/drawing/2010/main" xmlns="" w="9525">
+                <a14:hiddenLine xmlns="" xmlns:a14="http://schemas.microsoft.com/office/drawing/2010/main" w="9525">
                   <a:solidFill>
                     <a:srgbClr val="000000"/>
                   </a:solidFill>
@@ -4525,7 +4538,7 @@
             </a:ln>
             <a:extLst>
               <a:ext uri="{91240B29-F687-4f45-9708-019B960494DF}">
-                <a14:hiddenLine xmlns:a14="http://schemas.microsoft.com/office/drawing/2010/main" xmlns="" w="9525">
+                <a14:hiddenLine xmlns="" xmlns:a14="http://schemas.microsoft.com/office/drawing/2010/main" w="9525">
                   <a:solidFill>
                     <a:srgbClr val="000000"/>
                   </a:solidFill>
@@ -4615,7 +4628,7 @@
             </a:ln>
             <a:extLst>
               <a:ext uri="{91240B29-F687-4f45-9708-019B960494DF}">
-                <a14:hiddenLine xmlns:a14="http://schemas.microsoft.com/office/drawing/2010/main" xmlns="" w="9525">
+                <a14:hiddenLine xmlns="" xmlns:a14="http://schemas.microsoft.com/office/drawing/2010/main" w="9525">
                   <a:solidFill>
                     <a:srgbClr val="000000"/>
                   </a:solidFill>
@@ -4705,7 +4718,7 @@
             </a:ln>
             <a:extLst>
               <a:ext uri="{91240B29-F687-4f45-9708-019B960494DF}">
-                <a14:hiddenLine xmlns:a14="http://schemas.microsoft.com/office/drawing/2010/main" xmlns="" w="9525">
+                <a14:hiddenLine xmlns="" xmlns:a14="http://schemas.microsoft.com/office/drawing/2010/main" w="9525">
                   <a:solidFill>
                     <a:srgbClr val="000000"/>
                   </a:solidFill>
@@ -4767,7 +4780,7 @@
             </a:ln>
             <a:extLst>
               <a:ext uri="{91240B29-F687-4f45-9708-019B960494DF}">
-                <a14:hiddenLine xmlns:a14="http://schemas.microsoft.com/office/drawing/2010/main" xmlns="" w="9525">
+                <a14:hiddenLine xmlns="" xmlns:a14="http://schemas.microsoft.com/office/drawing/2010/main" w="9525">
                   <a:solidFill>
                     <a:srgbClr val="000000"/>
                   </a:solidFill>
@@ -4877,7 +4890,7 @@
             </a:ln>
             <a:extLst>
               <a:ext uri="{91240B29-F687-4f45-9708-019B960494DF}">
-                <a14:hiddenLine xmlns:a14="http://schemas.microsoft.com/office/drawing/2010/main" xmlns="" w="9525">
+                <a14:hiddenLine xmlns="" xmlns:a14="http://schemas.microsoft.com/office/drawing/2010/main" w="9525">
                   <a:solidFill>
                     <a:srgbClr val="000000"/>
                   </a:solidFill>
@@ -4939,7 +4952,7 @@
             </a:ln>
             <a:extLst>
               <a:ext uri="{91240B29-F687-4f45-9708-019B960494DF}">
-                <a14:hiddenLine xmlns:a14="http://schemas.microsoft.com/office/drawing/2010/main" xmlns="" w="9525">
+                <a14:hiddenLine xmlns="" xmlns:a14="http://schemas.microsoft.com/office/drawing/2010/main" w="9525">
                   <a:solidFill>
                     <a:srgbClr val="000000"/>
                   </a:solidFill>
@@ -5029,7 +5042,7 @@
             </a:ln>
             <a:extLst>
               <a:ext uri="{91240B29-F687-4f45-9708-019B960494DF}">
-                <a14:hiddenLine xmlns:a14="http://schemas.microsoft.com/office/drawing/2010/main" xmlns="" w="9525">
+                <a14:hiddenLine xmlns="" xmlns:a14="http://schemas.microsoft.com/office/drawing/2010/main" w="9525">
                   <a:solidFill>
                     <a:srgbClr val="000000"/>
                   </a:solidFill>
@@ -5119,7 +5132,7 @@
             </a:ln>
             <a:extLst>
               <a:ext uri="{91240B29-F687-4f45-9708-019B960494DF}">
-                <a14:hiddenLine xmlns:a14="http://schemas.microsoft.com/office/drawing/2010/main" xmlns="" w="9525">
+                <a14:hiddenLine xmlns="" xmlns:a14="http://schemas.microsoft.com/office/drawing/2010/main" w="9525">
                   <a:solidFill>
                     <a:srgbClr val="000000"/>
                   </a:solidFill>
@@ -5181,7 +5194,7 @@
             </a:ln>
             <a:extLst>
               <a:ext uri="{91240B29-F687-4f45-9708-019B960494DF}">
-                <a14:hiddenLine xmlns:a14="http://schemas.microsoft.com/office/drawing/2010/main" xmlns="" w="9525">
+                <a14:hiddenLine xmlns="" xmlns:a14="http://schemas.microsoft.com/office/drawing/2010/main" w="9525">
                   <a:solidFill>
                     <a:srgbClr val="000000"/>
                   </a:solidFill>
@@ -5271,7 +5284,7 @@
             </a:ln>
             <a:extLst>
               <a:ext uri="{91240B29-F687-4f45-9708-019B960494DF}">
-                <a14:hiddenLine xmlns:a14="http://schemas.microsoft.com/office/drawing/2010/main" xmlns="" w="9525">
+                <a14:hiddenLine xmlns="" xmlns:a14="http://schemas.microsoft.com/office/drawing/2010/main" w="9525">
                   <a:solidFill>
                     <a:srgbClr val="000000"/>
                   </a:solidFill>
@@ -5361,7 +5374,7 @@
             </a:ln>
             <a:extLst>
               <a:ext uri="{91240B29-F687-4f45-9708-019B960494DF}">
-                <a14:hiddenLine xmlns:a14="http://schemas.microsoft.com/office/drawing/2010/main" xmlns="" w="9525">
+                <a14:hiddenLine xmlns="" xmlns:a14="http://schemas.microsoft.com/office/drawing/2010/main" w="9525">
                   <a:solidFill>
                     <a:srgbClr val="000000"/>
                   </a:solidFill>
@@ -5417,7 +5430,7 @@
             </a:ln>
             <a:extLst>
               <a:ext uri="{91240B29-F687-4f45-9708-019B960494DF}">
-                <a14:hiddenLine xmlns:a14="http://schemas.microsoft.com/office/drawing/2010/main" xmlns="" w="9525">
+                <a14:hiddenLine xmlns="" xmlns:a14="http://schemas.microsoft.com/office/drawing/2010/main" w="9525">
                   <a:solidFill>
                     <a:srgbClr val="000000"/>
                   </a:solidFill>
@@ -5507,7 +5520,7 @@
             </a:ln>
             <a:extLst>
               <a:ext uri="{91240B29-F687-4f45-9708-019B960494DF}">
-                <a14:hiddenLine xmlns:a14="http://schemas.microsoft.com/office/drawing/2010/main" xmlns="" w="9525">
+                <a14:hiddenLine xmlns="" xmlns:a14="http://schemas.microsoft.com/office/drawing/2010/main" w="9525">
                   <a:solidFill>
                     <a:srgbClr val="000000"/>
                   </a:solidFill>
@@ -5563,7 +5576,7 @@
             </a:ln>
             <a:extLst>
               <a:ext uri="{91240B29-F687-4f45-9708-019B960494DF}">
-                <a14:hiddenLine xmlns:a14="http://schemas.microsoft.com/office/drawing/2010/main" xmlns="" w="9525">
+                <a14:hiddenLine xmlns="" xmlns:a14="http://schemas.microsoft.com/office/drawing/2010/main" w="9525">
                   <a:solidFill>
                     <a:srgbClr val="000000"/>
                   </a:solidFill>
@@ -5653,7 +5666,7 @@
             </a:ln>
             <a:extLst>
               <a:ext uri="{91240B29-F687-4f45-9708-019B960494DF}">
-                <a14:hiddenLine xmlns:a14="http://schemas.microsoft.com/office/drawing/2010/main" xmlns="" w="9525">
+                <a14:hiddenLine xmlns="" xmlns:a14="http://schemas.microsoft.com/office/drawing/2010/main" w="9525">
                   <a:solidFill>
                     <a:srgbClr val="000000"/>
                   </a:solidFill>
@@ -5721,7 +5734,7 @@
             </a:ln>
             <a:extLst>
               <a:ext uri="{91240B29-F687-4f45-9708-019B960494DF}">
-                <a14:hiddenLine xmlns:a14="http://schemas.microsoft.com/office/drawing/2010/main" xmlns="" w="9525">
+                <a14:hiddenLine xmlns="" xmlns:a14="http://schemas.microsoft.com/office/drawing/2010/main" w="9525">
                   <a:solidFill>
                     <a:srgbClr val="000000"/>
                   </a:solidFill>
@@ -5811,7 +5824,7 @@
             </a:ln>
             <a:extLst>
               <a:ext uri="{91240B29-F687-4f45-9708-019B960494DF}">
-                <a14:hiddenLine xmlns:a14="http://schemas.microsoft.com/office/drawing/2010/main" xmlns="" w="9525">
+                <a14:hiddenLine xmlns="" xmlns:a14="http://schemas.microsoft.com/office/drawing/2010/main" w="9525">
                   <a:solidFill>
                     <a:srgbClr val="000000"/>
                   </a:solidFill>
@@ -5879,7 +5892,7 @@
             </a:ln>
             <a:extLst>
               <a:ext uri="{91240B29-F687-4f45-9708-019B960494DF}">
-                <a14:hiddenLine xmlns:a14="http://schemas.microsoft.com/office/drawing/2010/main" xmlns="" w="9525">
+                <a14:hiddenLine xmlns="" xmlns:a14="http://schemas.microsoft.com/office/drawing/2010/main" w="9525">
                   <a:solidFill>
                     <a:srgbClr val="000000"/>
                   </a:solidFill>
@@ -5969,7 +5982,7 @@
             </a:ln>
             <a:extLst>
               <a:ext uri="{91240B29-F687-4f45-9708-019B960494DF}">
-                <a14:hiddenLine xmlns:a14="http://schemas.microsoft.com/office/drawing/2010/main" xmlns="" w="9525">
+                <a14:hiddenLine xmlns="" xmlns:a14="http://schemas.microsoft.com/office/drawing/2010/main" w="9525">
                   <a:solidFill>
                     <a:srgbClr val="000000"/>
                   </a:solidFill>
@@ -6003,7 +6016,7 @@
             </a:ln>
             <a:extLst>
               <a:ext uri="{91240B29-F687-4f45-9708-019B960494DF}">
-                <a14:hiddenLine xmlns:a14="http://schemas.microsoft.com/office/drawing/2010/main" xmlns="" w="9525">
+                <a14:hiddenLine xmlns="" xmlns:a14="http://schemas.microsoft.com/office/drawing/2010/main" w="9525">
                   <a:solidFill>
                     <a:srgbClr val="000000"/>
                   </a:solidFill>
@@ -6093,7 +6106,7 @@
             </a:ln>
             <a:extLst>
               <a:ext uri="{91240B29-F687-4f45-9708-019B960494DF}">
-                <a14:hiddenLine xmlns:a14="http://schemas.microsoft.com/office/drawing/2010/main" xmlns="" w="9525">
+                <a14:hiddenLine xmlns="" xmlns:a14="http://schemas.microsoft.com/office/drawing/2010/main" w="9525">
                   <a:solidFill>
                     <a:srgbClr val="000000"/>
                   </a:solidFill>
@@ -6155,7 +6168,7 @@
             </a:ln>
             <a:extLst>
               <a:ext uri="{91240B29-F687-4f45-9708-019B960494DF}">
-                <a14:hiddenLine xmlns:a14="http://schemas.microsoft.com/office/drawing/2010/main" xmlns="" w="9525">
+                <a14:hiddenLine xmlns="" xmlns:a14="http://schemas.microsoft.com/office/drawing/2010/main" w="9525">
                   <a:solidFill>
                     <a:srgbClr val="000000"/>
                   </a:solidFill>
@@ -6217,7 +6230,7 @@
             </a:ln>
             <a:extLst>
               <a:ext uri="{91240B29-F687-4f45-9708-019B960494DF}">
-                <a14:hiddenLine xmlns:a14="http://schemas.microsoft.com/office/drawing/2010/main" xmlns="" w="9525">
+                <a14:hiddenLine xmlns="" xmlns:a14="http://schemas.microsoft.com/office/drawing/2010/main" w="9525">
                   <a:solidFill>
                     <a:srgbClr val="000000"/>
                   </a:solidFill>
@@ -6307,7 +6320,7 @@
             </a:ln>
             <a:extLst>
               <a:ext uri="{91240B29-F687-4f45-9708-019B960494DF}">
-                <a14:hiddenLine xmlns:a14="http://schemas.microsoft.com/office/drawing/2010/main" xmlns="" w="9525">
+                <a14:hiddenLine xmlns="" xmlns:a14="http://schemas.microsoft.com/office/drawing/2010/main" w="9525">
                   <a:solidFill>
                     <a:srgbClr val="000000"/>
                   </a:solidFill>
@@ -6375,7 +6388,7 @@
             </a:ln>
             <a:extLst>
               <a:ext uri="{91240B29-F687-4f45-9708-019B960494DF}">
-                <a14:hiddenLine xmlns:a14="http://schemas.microsoft.com/office/drawing/2010/main" xmlns="" w="9525">
+                <a14:hiddenLine xmlns="" xmlns:a14="http://schemas.microsoft.com/office/drawing/2010/main" w="9525">
                   <a:solidFill>
                     <a:srgbClr val="000000"/>
                   </a:solidFill>
@@ -6437,7 +6450,7 @@
             </a:ln>
             <a:extLst>
               <a:ext uri="{91240B29-F687-4f45-9708-019B960494DF}">
-                <a14:hiddenLine xmlns:a14="http://schemas.microsoft.com/office/drawing/2010/main" xmlns="" w="9525">
+                <a14:hiddenLine xmlns="" xmlns:a14="http://schemas.microsoft.com/office/drawing/2010/main" w="9525">
                   <a:solidFill>
                     <a:srgbClr val="000000"/>
                   </a:solidFill>
@@ -6527,7 +6540,7 @@
             </a:ln>
             <a:extLst>
               <a:ext uri="{91240B29-F687-4f45-9708-019B960494DF}">
-                <a14:hiddenLine xmlns:a14="http://schemas.microsoft.com/office/drawing/2010/main" xmlns="" w="9525">
+                <a14:hiddenLine xmlns="" xmlns:a14="http://schemas.microsoft.com/office/drawing/2010/main" w="9525">
                   <a:solidFill>
                     <a:srgbClr val="000000"/>
                   </a:solidFill>
@@ -6589,7 +6602,7 @@
             </a:ln>
             <a:extLst>
               <a:ext uri="{91240B29-F687-4f45-9708-019B960494DF}">
-                <a14:hiddenLine xmlns:a14="http://schemas.microsoft.com/office/drawing/2010/main" xmlns="" w="9525">
+                <a14:hiddenLine xmlns="" xmlns:a14="http://schemas.microsoft.com/office/drawing/2010/main" w="9525">
                   <a:solidFill>
                     <a:srgbClr val="000000"/>
                   </a:solidFill>
@@ -6679,7 +6692,7 @@
             </a:ln>
             <a:extLst>
               <a:ext uri="{91240B29-F687-4f45-9708-019B960494DF}">
-                <a14:hiddenLine xmlns:a14="http://schemas.microsoft.com/office/drawing/2010/main" xmlns="" w="9525">
+                <a14:hiddenLine xmlns="" xmlns:a14="http://schemas.microsoft.com/office/drawing/2010/main" w="9525">
                   <a:solidFill>
                     <a:srgbClr val="000000"/>
                   </a:solidFill>
@@ -6741,7 +6754,7 @@
             </a:ln>
             <a:extLst>
               <a:ext uri="{91240B29-F687-4f45-9708-019B960494DF}">
-                <a14:hiddenLine xmlns:a14="http://schemas.microsoft.com/office/drawing/2010/main" xmlns="" w="9525">
+                <a14:hiddenLine xmlns="" xmlns:a14="http://schemas.microsoft.com/office/drawing/2010/main" w="9525">
                   <a:solidFill>
                     <a:srgbClr val="000000"/>
                   </a:solidFill>
@@ -6831,7 +6844,7 @@
             </a:ln>
             <a:extLst>
               <a:ext uri="{91240B29-F687-4f45-9708-019B960494DF}">
-                <a14:hiddenLine xmlns:a14="http://schemas.microsoft.com/office/drawing/2010/main" xmlns="" w="9525">
+                <a14:hiddenLine xmlns="" xmlns:a14="http://schemas.microsoft.com/office/drawing/2010/main" w="9525">
                   <a:solidFill>
                     <a:srgbClr val="000000"/>
                   </a:solidFill>
@@ -6865,7 +6878,7 @@
             </a:ln>
             <a:extLst>
               <a:ext uri="{91240B29-F687-4f45-9708-019B960494DF}">
-                <a14:hiddenLine xmlns:a14="http://schemas.microsoft.com/office/drawing/2010/main" xmlns="" w="9525">
+                <a14:hiddenLine xmlns="" xmlns:a14="http://schemas.microsoft.com/office/drawing/2010/main" w="9525">
                   <a:solidFill>
                     <a:srgbClr val="000000"/>
                   </a:solidFill>
@@ -6930,7 +6943,7 @@
             </a:ln>
             <a:extLst>
               <a:ext uri="{91240B29-F687-4f45-9708-019B960494DF}">
-                <a14:hiddenLine xmlns:a14="http://schemas.microsoft.com/office/drawing/2010/main" xmlns="" w="9525">
+                <a14:hiddenLine xmlns="" xmlns:a14="http://schemas.microsoft.com/office/drawing/2010/main" w="9525">
                   <a:solidFill>
                     <a:srgbClr val="000000"/>
                   </a:solidFill>
@@ -7020,7 +7033,7 @@
             </a:ln>
             <a:extLst>
               <a:ext uri="{91240B29-F687-4f45-9708-019B960494DF}">
-                <a14:hiddenLine xmlns:a14="http://schemas.microsoft.com/office/drawing/2010/main" xmlns="" w="9525">
+                <a14:hiddenLine xmlns="" xmlns:a14="http://schemas.microsoft.com/office/drawing/2010/main" w="9525">
                   <a:solidFill>
                     <a:srgbClr val="000000"/>
                   </a:solidFill>
@@ -7082,7 +7095,7 @@
             </a:ln>
             <a:extLst>
               <a:ext uri="{91240B29-F687-4f45-9708-019B960494DF}">
-                <a14:hiddenLine xmlns:a14="http://schemas.microsoft.com/office/drawing/2010/main" xmlns="" w="9525">
+                <a14:hiddenLine xmlns="" xmlns:a14="http://schemas.microsoft.com/office/drawing/2010/main" w="9525">
                   <a:solidFill>
                     <a:srgbClr val="000000"/>
                   </a:solidFill>
@@ -7172,7 +7185,7 @@
             </a:ln>
             <a:extLst>
               <a:ext uri="{91240B29-F687-4f45-9708-019B960494DF}">
-                <a14:hiddenLine xmlns:a14="http://schemas.microsoft.com/office/drawing/2010/main" xmlns="" w="9525">
+                <a14:hiddenLine xmlns="" xmlns:a14="http://schemas.microsoft.com/office/drawing/2010/main" w="9525">
                   <a:solidFill>
                     <a:srgbClr val="000000"/>
                   </a:solidFill>
@@ -7262,7 +7275,7 @@
             </a:ln>
             <a:extLst>
               <a:ext uri="{91240B29-F687-4f45-9708-019B960494DF}">
-                <a14:hiddenLine xmlns:a14="http://schemas.microsoft.com/office/drawing/2010/main" xmlns="" w="9525">
+                <a14:hiddenLine xmlns="" xmlns:a14="http://schemas.microsoft.com/office/drawing/2010/main" w="9525">
                   <a:solidFill>
                     <a:srgbClr val="000000"/>
                   </a:solidFill>
@@ -7327,7 +7340,7 @@
             </a:ln>
             <a:extLst>
               <a:ext uri="{91240B29-F687-4f45-9708-019B960494DF}">
-                <a14:hiddenLine xmlns:a14="http://schemas.microsoft.com/office/drawing/2010/main" xmlns="" w="9525">
+                <a14:hiddenLine xmlns="" xmlns:a14="http://schemas.microsoft.com/office/drawing/2010/main" w="9525">
                   <a:solidFill>
                     <a:srgbClr val="000000"/>
                   </a:solidFill>
@@ -7389,7 +7402,7 @@
             </a:ln>
             <a:extLst>
               <a:ext uri="{91240B29-F687-4f45-9708-019B960494DF}">
-                <a14:hiddenLine xmlns:a14="http://schemas.microsoft.com/office/drawing/2010/main" xmlns="" w="9525">
+                <a14:hiddenLine xmlns="" xmlns:a14="http://schemas.microsoft.com/office/drawing/2010/main" w="9525">
                   <a:solidFill>
                     <a:srgbClr val="000000"/>
                   </a:solidFill>
@@ -7479,7 +7492,7 @@
             </a:ln>
             <a:extLst>
               <a:ext uri="{91240B29-F687-4f45-9708-019B960494DF}">
-                <a14:hiddenLine xmlns:a14="http://schemas.microsoft.com/office/drawing/2010/main" xmlns="" w="9525">
+                <a14:hiddenLine xmlns="" xmlns:a14="http://schemas.microsoft.com/office/drawing/2010/main" w="9525">
                   <a:solidFill>
                     <a:srgbClr val="000000"/>
                   </a:solidFill>
@@ -7569,7 +7582,7 @@
             </a:ln>
             <a:extLst>
               <a:ext uri="{91240B29-F687-4f45-9708-019B960494DF}">
-                <a14:hiddenLine xmlns:a14="http://schemas.microsoft.com/office/drawing/2010/main" xmlns="" w="9525">
+                <a14:hiddenLine xmlns="" xmlns:a14="http://schemas.microsoft.com/office/drawing/2010/main" w="9525">
                   <a:solidFill>
                     <a:srgbClr val="000000"/>
                   </a:solidFill>
@@ -7631,7 +7644,7 @@
             </a:ln>
             <a:extLst>
               <a:ext uri="{91240B29-F687-4f45-9708-019B960494DF}">
-                <a14:hiddenLine xmlns:a14="http://schemas.microsoft.com/office/drawing/2010/main" xmlns="" w="9525">
+                <a14:hiddenLine xmlns="" xmlns:a14="http://schemas.microsoft.com/office/drawing/2010/main" w="9525">
                   <a:solidFill>
                     <a:srgbClr val="000000"/>
                   </a:solidFill>
@@ -7751,7 +7764,7 @@
             </a:ln>
             <a:extLst>
               <a:ext uri="{91240B29-F687-4f45-9708-019B960494DF}">
-                <a14:hiddenLine xmlns:a14="http://schemas.microsoft.com/office/drawing/2010/main" xmlns="" w="9525">
+                <a14:hiddenLine xmlns="" xmlns:a14="http://schemas.microsoft.com/office/drawing/2010/main" w="9525">
                   <a:solidFill>
                     <a:srgbClr val="000000"/>
                   </a:solidFill>
@@ -7819,7 +7832,7 @@
             </a:ln>
             <a:extLst>
               <a:ext uri="{91240B29-F687-4f45-9708-019B960494DF}">
-                <a14:hiddenLine xmlns:a14="http://schemas.microsoft.com/office/drawing/2010/main" xmlns="" w="9525">
+                <a14:hiddenLine xmlns="" xmlns:a14="http://schemas.microsoft.com/office/drawing/2010/main" w="9525">
                   <a:solidFill>
                     <a:srgbClr val="000000"/>
                   </a:solidFill>
@@ -7909,7 +7922,7 @@
             </a:ln>
             <a:extLst>
               <a:ext uri="{91240B29-F687-4f45-9708-019B960494DF}">
-                <a14:hiddenLine xmlns:a14="http://schemas.microsoft.com/office/drawing/2010/main" xmlns="" w="9525">
+                <a14:hiddenLine xmlns="" xmlns:a14="http://schemas.microsoft.com/office/drawing/2010/main" w="9525">
                   <a:solidFill>
                     <a:srgbClr val="000000"/>
                   </a:solidFill>
@@ -12796,7 +12809,7 @@
           <a:noFill/>
           <a:extLst>
             <a:ext uri="{909E8E84-426E-40dd-AFC4-6F175D3DCCD1}">
-              <a14:hiddenFill xmlns:a14="http://schemas.microsoft.com/office/drawing/2010/main" xmlns="">
+              <a14:hiddenFill xmlns="" xmlns:a14="http://schemas.microsoft.com/office/drawing/2010/main">
                 <a:solidFill>
                   <a:srgbClr val="FFFFFF"/>
                 </a:solidFill>
@@ -12870,7 +12883,7 @@
               </a:ln>
               <a:extLst>
                 <a:ext uri="{91240B29-F687-4f45-9708-019B960494DF}">
-                  <a14:hiddenLine xmlns:a14="http://schemas.microsoft.com/office/drawing/2010/main" xmlns="" w="9525">
+                  <a14:hiddenLine xmlns="" xmlns:a14="http://schemas.microsoft.com/office/drawing/2010/main" w="9525">
                     <a:solidFill>
                       <a:srgbClr val="000000"/>
                     </a:solidFill>
@@ -12960,7 +12973,7 @@
               </a:ln>
               <a:extLst>
                 <a:ext uri="{91240B29-F687-4f45-9708-019B960494DF}">
-                  <a14:hiddenLine xmlns:a14="http://schemas.microsoft.com/office/drawing/2010/main" xmlns="" w="9525">
+                  <a14:hiddenLine xmlns="" xmlns:a14="http://schemas.microsoft.com/office/drawing/2010/main" w="9525">
                     <a:solidFill>
                       <a:srgbClr val="000000"/>
                     </a:solidFill>
@@ -13050,7 +13063,7 @@
               </a:ln>
               <a:extLst>
                 <a:ext uri="{91240B29-F687-4f45-9708-019B960494DF}">
-                  <a14:hiddenLine xmlns:a14="http://schemas.microsoft.com/office/drawing/2010/main" xmlns="" w="9525">
+                  <a14:hiddenLine xmlns="" xmlns:a14="http://schemas.microsoft.com/office/drawing/2010/main" w="9525">
                     <a:solidFill>
                       <a:srgbClr val="000000"/>
                     </a:solidFill>
@@ -13112,7 +13125,7 @@
               </a:ln>
               <a:extLst>
                 <a:ext uri="{91240B29-F687-4f45-9708-019B960494DF}">
-                  <a14:hiddenLine xmlns:a14="http://schemas.microsoft.com/office/drawing/2010/main" xmlns="" w="9525">
+                  <a14:hiddenLine xmlns="" xmlns:a14="http://schemas.microsoft.com/office/drawing/2010/main" w="9525">
                     <a:solidFill>
                       <a:srgbClr val="000000"/>
                     </a:solidFill>
@@ -13202,7 +13215,7 @@
               </a:ln>
               <a:extLst>
                 <a:ext uri="{91240B29-F687-4f45-9708-019B960494DF}">
-                  <a14:hiddenLine xmlns:a14="http://schemas.microsoft.com/office/drawing/2010/main" xmlns="" w="9525">
+                  <a14:hiddenLine xmlns="" xmlns:a14="http://schemas.microsoft.com/office/drawing/2010/main" w="9525">
                     <a:solidFill>
                       <a:srgbClr val="000000"/>
                     </a:solidFill>
@@ -13264,7 +13277,7 @@
               </a:ln>
               <a:extLst>
                 <a:ext uri="{91240B29-F687-4f45-9708-019B960494DF}">
-                  <a14:hiddenLine xmlns:a14="http://schemas.microsoft.com/office/drawing/2010/main" xmlns="" w="9525">
+                  <a14:hiddenLine xmlns="" xmlns:a14="http://schemas.microsoft.com/office/drawing/2010/main" w="9525">
                     <a:solidFill>
                       <a:srgbClr val="000000"/>
                     </a:solidFill>
@@ -13326,7 +13339,7 @@
               </a:ln>
               <a:extLst>
                 <a:ext uri="{91240B29-F687-4f45-9708-019B960494DF}">
-                  <a14:hiddenLine xmlns:a14="http://schemas.microsoft.com/office/drawing/2010/main" xmlns="" w="9525">
+                  <a14:hiddenLine xmlns="" xmlns:a14="http://schemas.microsoft.com/office/drawing/2010/main" w="9525">
                     <a:solidFill>
                       <a:srgbClr val="000000"/>
                     </a:solidFill>
@@ -13416,7 +13429,7 @@
               </a:ln>
               <a:extLst>
                 <a:ext uri="{91240B29-F687-4f45-9708-019B960494DF}">
-                  <a14:hiddenLine xmlns:a14="http://schemas.microsoft.com/office/drawing/2010/main" xmlns="" w="9525">
+                  <a14:hiddenLine xmlns="" xmlns:a14="http://schemas.microsoft.com/office/drawing/2010/main" w="9525">
                     <a:solidFill>
                       <a:srgbClr val="000000"/>
                     </a:solidFill>
@@ -13506,7 +13519,7 @@
               </a:ln>
               <a:extLst>
                 <a:ext uri="{91240B29-F687-4f45-9708-019B960494DF}">
-                  <a14:hiddenLine xmlns:a14="http://schemas.microsoft.com/office/drawing/2010/main" xmlns="" w="9525">
+                  <a14:hiddenLine xmlns="" xmlns:a14="http://schemas.microsoft.com/office/drawing/2010/main" w="9525">
                     <a:solidFill>
                       <a:srgbClr val="000000"/>
                     </a:solidFill>
@@ -13568,7 +13581,7 @@
               </a:ln>
               <a:extLst>
                 <a:ext uri="{91240B29-F687-4f45-9708-019B960494DF}">
-                  <a14:hiddenLine xmlns:a14="http://schemas.microsoft.com/office/drawing/2010/main" xmlns="" w="9525">
+                  <a14:hiddenLine xmlns="" xmlns:a14="http://schemas.microsoft.com/office/drawing/2010/main" w="9525">
                     <a:solidFill>
                       <a:srgbClr val="000000"/>
                     </a:solidFill>
@@ -13678,7 +13691,7 @@
               </a:ln>
               <a:extLst>
                 <a:ext uri="{91240B29-F687-4f45-9708-019B960494DF}">
-                  <a14:hiddenLine xmlns:a14="http://schemas.microsoft.com/office/drawing/2010/main" xmlns="" w="9525">
+                  <a14:hiddenLine xmlns="" xmlns:a14="http://schemas.microsoft.com/office/drawing/2010/main" w="9525">
                     <a:solidFill>
                       <a:srgbClr val="000000"/>
                     </a:solidFill>
@@ -13762,7 +13775,7 @@
               </a:ln>
               <a:extLst>
                 <a:ext uri="{91240B29-F687-4f45-9708-019B960494DF}">
-                  <a14:hiddenLine xmlns:a14="http://schemas.microsoft.com/office/drawing/2010/main" xmlns="" w="9525">
+                  <a14:hiddenLine xmlns="" xmlns:a14="http://schemas.microsoft.com/office/drawing/2010/main" w="9525">
                     <a:solidFill>
                       <a:srgbClr val="000000"/>
                     </a:solidFill>
@@ -13824,7 +13837,7 @@
               </a:ln>
               <a:extLst>
                 <a:ext uri="{91240B29-F687-4f45-9708-019B960494DF}">
-                  <a14:hiddenLine xmlns:a14="http://schemas.microsoft.com/office/drawing/2010/main" xmlns="" w="9525">
+                  <a14:hiddenLine xmlns="" xmlns:a14="http://schemas.microsoft.com/office/drawing/2010/main" w="9525">
                     <a:solidFill>
                       <a:srgbClr val="000000"/>
                     </a:solidFill>
@@ -13886,7 +13899,7 @@
               </a:ln>
               <a:extLst>
                 <a:ext uri="{91240B29-F687-4f45-9708-019B960494DF}">
-                  <a14:hiddenLine xmlns:a14="http://schemas.microsoft.com/office/drawing/2010/main" xmlns="" w="9525">
+                  <a14:hiddenLine xmlns="" xmlns:a14="http://schemas.microsoft.com/office/drawing/2010/main" w="9525">
                     <a:solidFill>
                       <a:srgbClr val="000000"/>
                     </a:solidFill>
@@ -13976,7 +13989,7 @@
               </a:ln>
               <a:extLst>
                 <a:ext uri="{91240B29-F687-4f45-9708-019B960494DF}">
-                  <a14:hiddenLine xmlns:a14="http://schemas.microsoft.com/office/drawing/2010/main" xmlns="" w="9525">
+                  <a14:hiddenLine xmlns="" xmlns:a14="http://schemas.microsoft.com/office/drawing/2010/main" w="9525">
                     <a:solidFill>
                       <a:srgbClr val="000000"/>
                     </a:solidFill>
@@ -14010,7 +14023,7 @@
               </a:ln>
               <a:extLst>
                 <a:ext uri="{91240B29-F687-4f45-9708-019B960494DF}">
-                  <a14:hiddenLine xmlns:a14="http://schemas.microsoft.com/office/drawing/2010/main" xmlns="" w="9525">
+                  <a14:hiddenLine xmlns="" xmlns:a14="http://schemas.microsoft.com/office/drawing/2010/main" w="9525">
                     <a:solidFill>
                       <a:srgbClr val="000000"/>
                     </a:solidFill>
@@ -14075,7 +14088,7 @@
               </a:ln>
               <a:extLst>
                 <a:ext uri="{91240B29-F687-4f45-9708-019B960494DF}">
-                  <a14:hiddenLine xmlns:a14="http://schemas.microsoft.com/office/drawing/2010/main" xmlns="" w="9525">
+                  <a14:hiddenLine xmlns="" xmlns:a14="http://schemas.microsoft.com/office/drawing/2010/main" w="9525">
                     <a:solidFill>
                       <a:srgbClr val="000000"/>
                     </a:solidFill>
@@ -14165,7 +14178,7 @@
               </a:ln>
               <a:extLst>
                 <a:ext uri="{91240B29-F687-4f45-9708-019B960494DF}">
-                  <a14:hiddenLine xmlns:a14="http://schemas.microsoft.com/office/drawing/2010/main" xmlns="" w="9525">
+                  <a14:hiddenLine xmlns="" xmlns:a14="http://schemas.microsoft.com/office/drawing/2010/main" w="9525">
                     <a:solidFill>
                       <a:srgbClr val="000000"/>
                     </a:solidFill>
@@ -14227,7 +14240,7 @@
               </a:ln>
               <a:extLst>
                 <a:ext uri="{91240B29-F687-4f45-9708-019B960494DF}">
-                  <a14:hiddenLine xmlns:a14="http://schemas.microsoft.com/office/drawing/2010/main" xmlns="" w="9525">
+                  <a14:hiddenLine xmlns="" xmlns:a14="http://schemas.microsoft.com/office/drawing/2010/main" w="9525">
                     <a:solidFill>
                       <a:srgbClr val="000000"/>
                     </a:solidFill>
@@ -14317,7 +14330,7 @@
               </a:ln>
               <a:extLst>
                 <a:ext uri="{91240B29-F687-4f45-9708-019B960494DF}">
-                  <a14:hiddenLine xmlns:a14="http://schemas.microsoft.com/office/drawing/2010/main" xmlns="" w="9525">
+                  <a14:hiddenLine xmlns="" xmlns:a14="http://schemas.microsoft.com/office/drawing/2010/main" w="9525">
                     <a:solidFill>
                       <a:srgbClr val="000000"/>
                     </a:solidFill>
@@ -14382,7 +14395,7 @@
               </a:ln>
               <a:extLst>
                 <a:ext uri="{91240B29-F687-4f45-9708-019B960494DF}">
-                  <a14:hiddenLine xmlns:a14="http://schemas.microsoft.com/office/drawing/2010/main" xmlns="" w="9525">
+                  <a14:hiddenLine xmlns="" xmlns:a14="http://schemas.microsoft.com/office/drawing/2010/main" w="9525">
                     <a:solidFill>
                       <a:srgbClr val="000000"/>
                     </a:solidFill>
@@ -14444,7 +14457,7 @@
               </a:ln>
               <a:extLst>
                 <a:ext uri="{91240B29-F687-4f45-9708-019B960494DF}">
-                  <a14:hiddenLine xmlns:a14="http://schemas.microsoft.com/office/drawing/2010/main" xmlns="" w="9525">
+                  <a14:hiddenLine xmlns="" xmlns:a14="http://schemas.microsoft.com/office/drawing/2010/main" w="9525">
                     <a:solidFill>
                       <a:srgbClr val="000000"/>
                     </a:solidFill>
@@ -14534,7 +14547,7 @@
               </a:ln>
               <a:extLst>
                 <a:ext uri="{91240B29-F687-4f45-9708-019B960494DF}">
-                  <a14:hiddenLine xmlns:a14="http://schemas.microsoft.com/office/drawing/2010/main" xmlns="" w="9525">
+                  <a14:hiddenLine xmlns="" xmlns:a14="http://schemas.microsoft.com/office/drawing/2010/main" w="9525">
                     <a:solidFill>
                       <a:srgbClr val="000000"/>
                     </a:solidFill>
@@ -14624,7 +14637,7 @@
               </a:ln>
               <a:extLst>
                 <a:ext uri="{91240B29-F687-4f45-9708-019B960494DF}">
-                  <a14:hiddenLine xmlns:a14="http://schemas.microsoft.com/office/drawing/2010/main" xmlns="" w="9525">
+                  <a14:hiddenLine xmlns="" xmlns:a14="http://schemas.microsoft.com/office/drawing/2010/main" w="9525">
                     <a:solidFill>
                       <a:srgbClr val="000000"/>
                     </a:solidFill>
@@ -14689,7 +14702,7 @@
               </a:ln>
               <a:extLst>
                 <a:ext uri="{91240B29-F687-4f45-9708-019B960494DF}">
-                  <a14:hiddenLine xmlns:a14="http://schemas.microsoft.com/office/drawing/2010/main" xmlns="" w="9525">
+                  <a14:hiddenLine xmlns="" xmlns:a14="http://schemas.microsoft.com/office/drawing/2010/main" w="9525">
                     <a:solidFill>
                       <a:srgbClr val="000000"/>
                     </a:solidFill>
@@ -14809,7 +14822,7 @@
               </a:ln>
               <a:extLst>
                 <a:ext uri="{91240B29-F687-4f45-9708-019B960494DF}">
-                  <a14:hiddenLine xmlns:a14="http://schemas.microsoft.com/office/drawing/2010/main" xmlns="" w="9525">
+                  <a14:hiddenLine xmlns="" xmlns:a14="http://schemas.microsoft.com/office/drawing/2010/main" w="9525">
                     <a:solidFill>
                       <a:srgbClr val="000000"/>
                     </a:solidFill>
@@ -14907,7 +14920,7 @@
               </a:ln>
               <a:extLst>
                 <a:ext uri="{91240B29-F687-4f45-9708-019B960494DF}">
-                  <a14:hiddenLine xmlns:a14="http://schemas.microsoft.com/office/drawing/2010/main" xmlns="" w="9525">
+                  <a14:hiddenLine xmlns="" xmlns:a14="http://schemas.microsoft.com/office/drawing/2010/main" w="9525">
                     <a:solidFill>
                       <a:srgbClr val="000000"/>
                     </a:solidFill>
@@ -15022,7 +15035,7 @@
               </a:ln>
               <a:extLst>
                 <a:ext uri="{91240B29-F687-4f45-9708-019B960494DF}">
-                  <a14:hiddenLine xmlns:a14="http://schemas.microsoft.com/office/drawing/2010/main" xmlns="" w="9525">
+                  <a14:hiddenLine xmlns="" xmlns:a14="http://schemas.microsoft.com/office/drawing/2010/main" w="9525">
                     <a:solidFill>
                       <a:srgbClr val="000000"/>
                     </a:solidFill>
@@ -15112,7 +15125,7 @@
               </a:ln>
               <a:extLst>
                 <a:ext uri="{91240B29-F687-4f45-9708-019B960494DF}">
-                  <a14:hiddenLine xmlns:a14="http://schemas.microsoft.com/office/drawing/2010/main" xmlns="" w="9525">
+                  <a14:hiddenLine xmlns="" xmlns:a14="http://schemas.microsoft.com/office/drawing/2010/main" w="9525">
                     <a:solidFill>
                       <a:srgbClr val="000000"/>
                     </a:solidFill>
@@ -15177,7 +15190,7 @@
               </a:ln>
               <a:extLst>
                 <a:ext uri="{91240B29-F687-4f45-9708-019B960494DF}">
-                  <a14:hiddenLine xmlns:a14="http://schemas.microsoft.com/office/drawing/2010/main" xmlns="" w="9525">
+                  <a14:hiddenLine xmlns="" xmlns:a14="http://schemas.microsoft.com/office/drawing/2010/main" w="9525">
                     <a:solidFill>
                       <a:srgbClr val="000000"/>
                     </a:solidFill>
@@ -15267,7 +15280,7 @@
               </a:ln>
               <a:extLst>
                 <a:ext uri="{91240B29-F687-4f45-9708-019B960494DF}">
-                  <a14:hiddenLine xmlns:a14="http://schemas.microsoft.com/office/drawing/2010/main" xmlns="" w="9525">
+                  <a14:hiddenLine xmlns="" xmlns:a14="http://schemas.microsoft.com/office/drawing/2010/main" w="9525">
                     <a:solidFill>
                       <a:srgbClr val="000000"/>
                     </a:solidFill>
@@ -15335,7 +15348,7 @@
               </a:ln>
               <a:extLst>
                 <a:ext uri="{91240B29-F687-4f45-9708-019B960494DF}">
-                  <a14:hiddenLine xmlns:a14="http://schemas.microsoft.com/office/drawing/2010/main" xmlns="" w="9525">
+                  <a14:hiddenLine xmlns="" xmlns:a14="http://schemas.microsoft.com/office/drawing/2010/main" w="9525">
                     <a:solidFill>
                       <a:srgbClr val="000000"/>
                     </a:solidFill>
@@ -15425,7 +15438,7 @@
               </a:ln>
               <a:extLst>
                 <a:ext uri="{91240B29-F687-4f45-9708-019B960494DF}">
-                  <a14:hiddenLine xmlns:a14="http://schemas.microsoft.com/office/drawing/2010/main" xmlns="" w="9525">
+                  <a14:hiddenLine xmlns="" xmlns:a14="http://schemas.microsoft.com/office/drawing/2010/main" w="9525">
                     <a:solidFill>
                       <a:srgbClr val="000000"/>
                     </a:solidFill>
@@ -15493,7 +15506,7 @@
               </a:ln>
               <a:extLst>
                 <a:ext uri="{91240B29-F687-4f45-9708-019B960494DF}">
-                  <a14:hiddenLine xmlns:a14="http://schemas.microsoft.com/office/drawing/2010/main" xmlns="" w="9525">
+                  <a14:hiddenLine xmlns="" xmlns:a14="http://schemas.microsoft.com/office/drawing/2010/main" w="9525">
                     <a:solidFill>
                       <a:srgbClr val="000000"/>
                     </a:solidFill>
@@ -15583,7 +15596,7 @@
               </a:ln>
               <a:extLst>
                 <a:ext uri="{91240B29-F687-4f45-9708-019B960494DF}">
-                  <a14:hiddenLine xmlns:a14="http://schemas.microsoft.com/office/drawing/2010/main" xmlns="" w="9525">
+                  <a14:hiddenLine xmlns="" xmlns:a14="http://schemas.microsoft.com/office/drawing/2010/main" w="9525">
                     <a:solidFill>
                       <a:srgbClr val="000000"/>
                     </a:solidFill>
@@ -15617,7 +15630,7 @@
               </a:ln>
               <a:extLst>
                 <a:ext uri="{91240B29-F687-4f45-9708-019B960494DF}">
-                  <a14:hiddenLine xmlns:a14="http://schemas.microsoft.com/office/drawing/2010/main" xmlns="" w="9525">
+                  <a14:hiddenLine xmlns="" xmlns:a14="http://schemas.microsoft.com/office/drawing/2010/main" w="9525">
                     <a:solidFill>
                       <a:srgbClr val="000000"/>
                     </a:solidFill>
@@ -16348,7 +16361,7 @@
             <a:noFill/>
             <a:extLst>
               <a:ext uri="{909E8E84-426E-40dd-AFC4-6F175D3DCCD1}">
-                <a14:hiddenFill xmlns="" xmlns:a16="http://schemas.microsoft.com/office/drawing/2014/main" xmlns:p14="http://schemas.microsoft.com/office/powerpoint/2010/main" xmlns:a14="http://schemas.microsoft.com/office/drawing/2010/main">
+                <a14:hiddenFill xmlns:a14="http://schemas.microsoft.com/office/drawing/2010/main" xmlns:p14="http://schemas.microsoft.com/office/powerpoint/2010/main" xmlns:a16="http://schemas.microsoft.com/office/drawing/2014/main" xmlns="">
                   <a:solidFill>
                     <a:srgbClr val="FFFFFF"/>
                   </a:solidFill>
@@ -19370,7 +19383,7 @@
             </a:ln>
             <a:extLst>
               <a:ext uri="{91240B29-F687-4f45-9708-019B960494DF}">
-                <a14:hiddenLine xmlns:a14="http://schemas.microsoft.com/office/drawing/2010/main" xmlns:p14="http://schemas.microsoft.com/office/powerpoint/2010/main" xmlns:a16="http://schemas.microsoft.com/office/drawing/2014/main" xmlns="" w="9525">
+                <a14:hiddenLine xmlns="" xmlns:a16="http://schemas.microsoft.com/office/drawing/2014/main" xmlns:p14="http://schemas.microsoft.com/office/powerpoint/2010/main" xmlns:a14="http://schemas.microsoft.com/office/drawing/2010/main" w="9525">
                   <a:solidFill>
                     <a:srgbClr val="000000"/>
                   </a:solidFill>
@@ -19475,7 +19488,7 @@
             </a:ln>
             <a:extLst>
               <a:ext uri="{91240B29-F687-4f45-9708-019B960494DF}">
-                <a14:hiddenLine xmlns:a14="http://schemas.microsoft.com/office/drawing/2010/main" xmlns:p14="http://schemas.microsoft.com/office/powerpoint/2010/main" xmlns:a16="http://schemas.microsoft.com/office/drawing/2014/main" xmlns="" w="9525">
+                <a14:hiddenLine xmlns="" xmlns:a16="http://schemas.microsoft.com/office/drawing/2014/main" xmlns:p14="http://schemas.microsoft.com/office/powerpoint/2010/main" xmlns:a14="http://schemas.microsoft.com/office/drawing/2010/main" w="9525">
                   <a:solidFill>
                     <a:srgbClr val="000000"/>
                   </a:solidFill>
@@ -19580,7 +19593,7 @@
             </a:ln>
             <a:extLst>
               <a:ext uri="{91240B29-F687-4f45-9708-019B960494DF}">
-                <a14:hiddenLine xmlns:a14="http://schemas.microsoft.com/office/drawing/2010/main" xmlns:p14="http://schemas.microsoft.com/office/powerpoint/2010/main" xmlns:a16="http://schemas.microsoft.com/office/drawing/2014/main" xmlns="" w="9525">
+                <a14:hiddenLine xmlns="" xmlns:a16="http://schemas.microsoft.com/office/drawing/2014/main" xmlns:p14="http://schemas.microsoft.com/office/powerpoint/2010/main" xmlns:a14="http://schemas.microsoft.com/office/drawing/2010/main" w="9525">
                   <a:solidFill>
                     <a:srgbClr val="000000"/>
                   </a:solidFill>
@@ -19657,7 +19670,7 @@
             </a:ln>
             <a:extLst>
               <a:ext uri="{91240B29-F687-4f45-9708-019B960494DF}">
-                <a14:hiddenLine xmlns:a14="http://schemas.microsoft.com/office/drawing/2010/main" xmlns:p14="http://schemas.microsoft.com/office/powerpoint/2010/main" xmlns:a16="http://schemas.microsoft.com/office/drawing/2014/main" xmlns="" w="9525">
+                <a14:hiddenLine xmlns="" xmlns:a16="http://schemas.microsoft.com/office/drawing/2014/main" xmlns:p14="http://schemas.microsoft.com/office/powerpoint/2010/main" xmlns:a14="http://schemas.microsoft.com/office/drawing/2010/main" w="9525">
                   <a:solidFill>
                     <a:srgbClr val="000000"/>
                   </a:solidFill>
@@ -19762,7 +19775,7 @@
             </a:ln>
             <a:extLst>
               <a:ext uri="{91240B29-F687-4f45-9708-019B960494DF}">
-                <a14:hiddenLine xmlns:a14="http://schemas.microsoft.com/office/drawing/2010/main" xmlns:p14="http://schemas.microsoft.com/office/powerpoint/2010/main" xmlns:a16="http://schemas.microsoft.com/office/drawing/2014/main" xmlns="" w="9525">
+                <a14:hiddenLine xmlns="" xmlns:a16="http://schemas.microsoft.com/office/drawing/2014/main" xmlns:p14="http://schemas.microsoft.com/office/powerpoint/2010/main" xmlns:a14="http://schemas.microsoft.com/office/drawing/2010/main" w="9525">
                   <a:solidFill>
                     <a:srgbClr val="000000"/>
                   </a:solidFill>
@@ -19839,7 +19852,7 @@
             </a:ln>
             <a:extLst>
               <a:ext uri="{91240B29-F687-4f45-9708-019B960494DF}">
-                <a14:hiddenLine xmlns:a14="http://schemas.microsoft.com/office/drawing/2010/main" xmlns:p14="http://schemas.microsoft.com/office/powerpoint/2010/main" xmlns:a16="http://schemas.microsoft.com/office/drawing/2014/main" xmlns="" w="9525">
+                <a14:hiddenLine xmlns="" xmlns:a16="http://schemas.microsoft.com/office/drawing/2014/main" xmlns:p14="http://schemas.microsoft.com/office/powerpoint/2010/main" xmlns:a14="http://schemas.microsoft.com/office/drawing/2010/main" w="9525">
                   <a:solidFill>
                     <a:srgbClr val="000000"/>
                   </a:solidFill>
@@ -19916,7 +19929,7 @@
             </a:ln>
             <a:extLst>
               <a:ext uri="{91240B29-F687-4f45-9708-019B960494DF}">
-                <a14:hiddenLine xmlns:a14="http://schemas.microsoft.com/office/drawing/2010/main" xmlns:p14="http://schemas.microsoft.com/office/powerpoint/2010/main" xmlns:a16="http://schemas.microsoft.com/office/drawing/2014/main" xmlns="" w="9525">
+                <a14:hiddenLine xmlns="" xmlns:a16="http://schemas.microsoft.com/office/drawing/2014/main" xmlns:p14="http://schemas.microsoft.com/office/powerpoint/2010/main" xmlns:a14="http://schemas.microsoft.com/office/drawing/2010/main" w="9525">
                   <a:solidFill>
                     <a:srgbClr val="000000"/>
                   </a:solidFill>
@@ -20021,7 +20034,7 @@
             </a:ln>
             <a:extLst>
               <a:ext uri="{91240B29-F687-4f45-9708-019B960494DF}">
-                <a14:hiddenLine xmlns:a14="http://schemas.microsoft.com/office/drawing/2010/main" xmlns:p14="http://schemas.microsoft.com/office/powerpoint/2010/main" xmlns:a16="http://schemas.microsoft.com/office/drawing/2014/main" xmlns="" w="9525">
+                <a14:hiddenLine xmlns="" xmlns:a16="http://schemas.microsoft.com/office/drawing/2014/main" xmlns:p14="http://schemas.microsoft.com/office/powerpoint/2010/main" xmlns:a14="http://schemas.microsoft.com/office/drawing/2010/main" w="9525">
                   <a:solidFill>
                     <a:srgbClr val="000000"/>
                   </a:solidFill>
@@ -20126,7 +20139,7 @@
             </a:ln>
             <a:extLst>
               <a:ext uri="{91240B29-F687-4f45-9708-019B960494DF}">
-                <a14:hiddenLine xmlns:a14="http://schemas.microsoft.com/office/drawing/2010/main" xmlns:p14="http://schemas.microsoft.com/office/powerpoint/2010/main" xmlns:a16="http://schemas.microsoft.com/office/drawing/2014/main" xmlns="" w="9525">
+                <a14:hiddenLine xmlns="" xmlns:a16="http://schemas.microsoft.com/office/drawing/2014/main" xmlns:p14="http://schemas.microsoft.com/office/powerpoint/2010/main" xmlns:a14="http://schemas.microsoft.com/office/drawing/2010/main" w="9525">
                   <a:solidFill>
                     <a:srgbClr val="000000"/>
                   </a:solidFill>
@@ -20203,7 +20216,7 @@
             </a:ln>
             <a:extLst>
               <a:ext uri="{91240B29-F687-4f45-9708-019B960494DF}">
-                <a14:hiddenLine xmlns:a14="http://schemas.microsoft.com/office/drawing/2010/main" xmlns:p14="http://schemas.microsoft.com/office/powerpoint/2010/main" xmlns:a16="http://schemas.microsoft.com/office/drawing/2014/main" xmlns="" w="9525">
+                <a14:hiddenLine xmlns="" xmlns:a16="http://schemas.microsoft.com/office/drawing/2014/main" xmlns:p14="http://schemas.microsoft.com/office/powerpoint/2010/main" xmlns:a14="http://schemas.microsoft.com/office/drawing/2010/main" w="9525">
                   <a:solidFill>
                     <a:srgbClr val="000000"/>
                   </a:solidFill>
@@ -20328,7 +20341,7 @@
             </a:ln>
             <a:extLst>
               <a:ext uri="{91240B29-F687-4f45-9708-019B960494DF}">
-                <a14:hiddenLine xmlns:a14="http://schemas.microsoft.com/office/drawing/2010/main" xmlns:p14="http://schemas.microsoft.com/office/powerpoint/2010/main" xmlns:a16="http://schemas.microsoft.com/office/drawing/2014/main" xmlns="" w="9525">
+                <a14:hiddenLine xmlns="" xmlns:a16="http://schemas.microsoft.com/office/drawing/2014/main" xmlns:p14="http://schemas.microsoft.com/office/powerpoint/2010/main" xmlns:a14="http://schemas.microsoft.com/office/drawing/2010/main" w="9525">
                   <a:solidFill>
                     <a:srgbClr val="000000"/>
                   </a:solidFill>
@@ -20442,7 +20455,7 @@
             </a:ln>
             <a:extLst>
               <a:ext uri="{91240B29-F687-4f45-9708-019B960494DF}">
-                <a14:hiddenLine xmlns:a14="http://schemas.microsoft.com/office/drawing/2010/main" xmlns:p14="http://schemas.microsoft.com/office/powerpoint/2010/main" xmlns:a16="http://schemas.microsoft.com/office/drawing/2014/main" xmlns="" w="9525">
+                <a14:hiddenLine xmlns="" xmlns:a16="http://schemas.microsoft.com/office/drawing/2014/main" xmlns:p14="http://schemas.microsoft.com/office/powerpoint/2010/main" xmlns:a14="http://schemas.microsoft.com/office/drawing/2010/main" w="9525">
                   <a:solidFill>
                     <a:srgbClr val="000000"/>
                   </a:solidFill>
@@ -20519,7 +20532,7 @@
             </a:ln>
             <a:extLst>
               <a:ext uri="{91240B29-F687-4f45-9708-019B960494DF}">
-                <a14:hiddenLine xmlns:a14="http://schemas.microsoft.com/office/drawing/2010/main" xmlns:p14="http://schemas.microsoft.com/office/powerpoint/2010/main" xmlns:a16="http://schemas.microsoft.com/office/drawing/2014/main" xmlns="" w="9525">
+                <a14:hiddenLine xmlns="" xmlns:a16="http://schemas.microsoft.com/office/drawing/2014/main" xmlns:p14="http://schemas.microsoft.com/office/powerpoint/2010/main" xmlns:a14="http://schemas.microsoft.com/office/drawing/2010/main" w="9525">
                   <a:solidFill>
                     <a:srgbClr val="000000"/>
                   </a:solidFill>
@@ -20596,7 +20609,7 @@
             </a:ln>
             <a:extLst>
               <a:ext uri="{91240B29-F687-4f45-9708-019B960494DF}">
-                <a14:hiddenLine xmlns:a14="http://schemas.microsoft.com/office/drawing/2010/main" xmlns:p14="http://schemas.microsoft.com/office/powerpoint/2010/main" xmlns:a16="http://schemas.microsoft.com/office/drawing/2014/main" xmlns="" w="9525">
+                <a14:hiddenLine xmlns="" xmlns:a16="http://schemas.microsoft.com/office/drawing/2014/main" xmlns:p14="http://schemas.microsoft.com/office/powerpoint/2010/main" xmlns:a14="http://schemas.microsoft.com/office/drawing/2010/main" w="9525">
                   <a:solidFill>
                     <a:srgbClr val="000000"/>
                   </a:solidFill>
@@ -20701,7 +20714,7 @@
             </a:ln>
             <a:extLst>
               <a:ext uri="{91240B29-F687-4f45-9708-019B960494DF}">
-                <a14:hiddenLine xmlns:a14="http://schemas.microsoft.com/office/drawing/2010/main" xmlns:p14="http://schemas.microsoft.com/office/powerpoint/2010/main" xmlns:a16="http://schemas.microsoft.com/office/drawing/2014/main" xmlns="" w="9525">
+                <a14:hiddenLine xmlns="" xmlns:a16="http://schemas.microsoft.com/office/drawing/2014/main" xmlns:p14="http://schemas.microsoft.com/office/powerpoint/2010/main" xmlns:a14="http://schemas.microsoft.com/office/drawing/2010/main" w="9525">
                   <a:solidFill>
                     <a:srgbClr val="000000"/>
                   </a:solidFill>
@@ -20750,7 +20763,7 @@
             </a:ln>
             <a:extLst>
               <a:ext uri="{91240B29-F687-4f45-9708-019B960494DF}">
-                <a14:hiddenLine xmlns:a14="http://schemas.microsoft.com/office/drawing/2010/main" xmlns:p14="http://schemas.microsoft.com/office/powerpoint/2010/main" xmlns:a16="http://schemas.microsoft.com/office/drawing/2014/main" xmlns="" w="9525">
+                <a14:hiddenLine xmlns="" xmlns:a16="http://schemas.microsoft.com/office/drawing/2014/main" xmlns:p14="http://schemas.microsoft.com/office/powerpoint/2010/main" xmlns:a14="http://schemas.microsoft.com/office/drawing/2010/main" w="9525">
                   <a:solidFill>
                     <a:srgbClr val="000000"/>
                   </a:solidFill>
@@ -20830,7 +20843,7 @@
             </a:ln>
             <a:extLst>
               <a:ext uri="{91240B29-F687-4f45-9708-019B960494DF}">
-                <a14:hiddenLine xmlns:a14="http://schemas.microsoft.com/office/drawing/2010/main" xmlns:p14="http://schemas.microsoft.com/office/powerpoint/2010/main" xmlns:a16="http://schemas.microsoft.com/office/drawing/2014/main" xmlns="" w="9525">
+                <a14:hiddenLine xmlns="" xmlns:a16="http://schemas.microsoft.com/office/drawing/2014/main" xmlns:p14="http://schemas.microsoft.com/office/powerpoint/2010/main" xmlns:a14="http://schemas.microsoft.com/office/drawing/2010/main" w="9525">
                   <a:solidFill>
                     <a:srgbClr val="000000"/>
                   </a:solidFill>
@@ -20935,7 +20948,7 @@
             </a:ln>
             <a:extLst>
               <a:ext uri="{91240B29-F687-4f45-9708-019B960494DF}">
-                <a14:hiddenLine xmlns:a14="http://schemas.microsoft.com/office/drawing/2010/main" xmlns:p14="http://schemas.microsoft.com/office/powerpoint/2010/main" xmlns:a16="http://schemas.microsoft.com/office/drawing/2014/main" xmlns="" w="9525">
+                <a14:hiddenLine xmlns="" xmlns:a16="http://schemas.microsoft.com/office/drawing/2014/main" xmlns:p14="http://schemas.microsoft.com/office/powerpoint/2010/main" xmlns:a14="http://schemas.microsoft.com/office/drawing/2010/main" w="9525">
                   <a:solidFill>
                     <a:srgbClr val="000000"/>
                   </a:solidFill>
@@ -21012,7 +21025,7 @@
             </a:ln>
             <a:extLst>
               <a:ext uri="{91240B29-F687-4f45-9708-019B960494DF}">
-                <a14:hiddenLine xmlns:a14="http://schemas.microsoft.com/office/drawing/2010/main" xmlns:p14="http://schemas.microsoft.com/office/powerpoint/2010/main" xmlns:a16="http://schemas.microsoft.com/office/drawing/2014/main" xmlns="" w="9525">
+                <a14:hiddenLine xmlns="" xmlns:a16="http://schemas.microsoft.com/office/drawing/2014/main" xmlns:p14="http://schemas.microsoft.com/office/powerpoint/2010/main" xmlns:a14="http://schemas.microsoft.com/office/drawing/2010/main" w="9525">
                   <a:solidFill>
                     <a:srgbClr val="000000"/>
                   </a:solidFill>
@@ -21117,7 +21130,7 @@
             </a:ln>
             <a:extLst>
               <a:ext uri="{91240B29-F687-4f45-9708-019B960494DF}">
-                <a14:hiddenLine xmlns:a14="http://schemas.microsoft.com/office/drawing/2010/main" xmlns:p14="http://schemas.microsoft.com/office/powerpoint/2010/main" xmlns:a16="http://schemas.microsoft.com/office/drawing/2014/main" xmlns="" w="9525">
+                <a14:hiddenLine xmlns="" xmlns:a16="http://schemas.microsoft.com/office/drawing/2014/main" xmlns:p14="http://schemas.microsoft.com/office/powerpoint/2010/main" xmlns:a14="http://schemas.microsoft.com/office/drawing/2010/main" w="9525">
                   <a:solidFill>
                     <a:srgbClr val="000000"/>
                   </a:solidFill>
@@ -21197,7 +21210,7 @@
             </a:ln>
             <a:extLst>
               <a:ext uri="{91240B29-F687-4f45-9708-019B960494DF}">
-                <a14:hiddenLine xmlns:a14="http://schemas.microsoft.com/office/drawing/2010/main" xmlns:p14="http://schemas.microsoft.com/office/powerpoint/2010/main" xmlns:a16="http://schemas.microsoft.com/office/drawing/2014/main" xmlns="" w="9525">
+                <a14:hiddenLine xmlns="" xmlns:a16="http://schemas.microsoft.com/office/drawing/2014/main" xmlns:p14="http://schemas.microsoft.com/office/powerpoint/2010/main" xmlns:a14="http://schemas.microsoft.com/office/drawing/2010/main" w="9525">
                   <a:solidFill>
                     <a:srgbClr val="000000"/>
                   </a:solidFill>
@@ -21274,7 +21287,7 @@
             </a:ln>
             <a:extLst>
               <a:ext uri="{91240B29-F687-4f45-9708-019B960494DF}">
-                <a14:hiddenLine xmlns:a14="http://schemas.microsoft.com/office/drawing/2010/main" xmlns:p14="http://schemas.microsoft.com/office/powerpoint/2010/main" xmlns:a16="http://schemas.microsoft.com/office/drawing/2014/main" xmlns="" w="9525">
+                <a14:hiddenLine xmlns="" xmlns:a16="http://schemas.microsoft.com/office/drawing/2014/main" xmlns:p14="http://schemas.microsoft.com/office/powerpoint/2010/main" xmlns:a14="http://schemas.microsoft.com/office/drawing/2010/main" w="9525">
                   <a:solidFill>
                     <a:srgbClr val="000000"/>
                   </a:solidFill>
@@ -21379,7 +21392,7 @@
             </a:ln>
             <a:extLst>
               <a:ext uri="{91240B29-F687-4f45-9708-019B960494DF}">
-                <a14:hiddenLine xmlns:a14="http://schemas.microsoft.com/office/drawing/2010/main" xmlns:p14="http://schemas.microsoft.com/office/powerpoint/2010/main" xmlns:a16="http://schemas.microsoft.com/office/drawing/2014/main" xmlns="" w="9525">
+                <a14:hiddenLine xmlns="" xmlns:a16="http://schemas.microsoft.com/office/drawing/2014/main" xmlns:p14="http://schemas.microsoft.com/office/powerpoint/2010/main" xmlns:a14="http://schemas.microsoft.com/office/drawing/2010/main" w="9525">
                   <a:solidFill>
                     <a:srgbClr val="000000"/>
                   </a:solidFill>
@@ -21484,7 +21497,7 @@
             </a:ln>
             <a:extLst>
               <a:ext uri="{91240B29-F687-4f45-9708-019B960494DF}">
-                <a14:hiddenLine xmlns:a14="http://schemas.microsoft.com/office/drawing/2010/main" xmlns:p14="http://schemas.microsoft.com/office/powerpoint/2010/main" xmlns:a16="http://schemas.microsoft.com/office/drawing/2014/main" xmlns="" w="9525">
+                <a14:hiddenLine xmlns="" xmlns:a16="http://schemas.microsoft.com/office/drawing/2014/main" xmlns:p14="http://schemas.microsoft.com/office/powerpoint/2010/main" xmlns:a14="http://schemas.microsoft.com/office/drawing/2010/main" w="9525">
                   <a:solidFill>
                     <a:srgbClr val="000000"/>
                   </a:solidFill>
@@ -21564,7 +21577,7 @@
             </a:ln>
             <a:extLst>
               <a:ext uri="{91240B29-F687-4f45-9708-019B960494DF}">
-                <a14:hiddenLine xmlns:a14="http://schemas.microsoft.com/office/drawing/2010/main" xmlns:p14="http://schemas.microsoft.com/office/powerpoint/2010/main" xmlns:a16="http://schemas.microsoft.com/office/drawing/2014/main" xmlns="" w="9525">
+                <a14:hiddenLine xmlns="" xmlns:a16="http://schemas.microsoft.com/office/drawing/2014/main" xmlns:p14="http://schemas.microsoft.com/office/powerpoint/2010/main" xmlns:a14="http://schemas.microsoft.com/office/drawing/2010/main" w="9525">
                   <a:solidFill>
                     <a:srgbClr val="000000"/>
                   </a:solidFill>
@@ -21699,7 +21712,7 @@
             </a:ln>
             <a:extLst>
               <a:ext uri="{91240B29-F687-4f45-9708-019B960494DF}">
-                <a14:hiddenLine xmlns:a14="http://schemas.microsoft.com/office/drawing/2010/main" xmlns:p14="http://schemas.microsoft.com/office/powerpoint/2010/main" xmlns:a16="http://schemas.microsoft.com/office/drawing/2014/main" xmlns="" w="9525">
+                <a14:hiddenLine xmlns="" xmlns:a16="http://schemas.microsoft.com/office/drawing/2014/main" xmlns:p14="http://schemas.microsoft.com/office/powerpoint/2010/main" xmlns:a14="http://schemas.microsoft.com/office/drawing/2010/main" w="9525">
                   <a:solidFill>
                     <a:srgbClr val="000000"/>
                   </a:solidFill>
@@ -30753,7 +30766,7 @@
             <p:ph idx="1"/>
             <p:extLst>
               <p:ext uri="{D42A27DB-BD31-4B8C-83A1-F6EECF244321}">
-                <p14:modId xmlns:p14="http://schemas.microsoft.com/office/powerpoint/2010/main" val="1194400259"/>
+                <p14:modId xmlns:p14="http://schemas.microsoft.com/office/powerpoint/2010/main" val="210643000"/>
               </p:ext>
             </p:extLst>
           </p:nvPr>
@@ -31019,7 +31032,7 @@
             </a:ln>
             <a:extLst>
               <a:ext uri="{91240B29-F687-4f45-9708-019B960494DF}">
-                <a14:hiddenLine xmlns="" xmlns:a16="http://schemas.microsoft.com/office/drawing/2014/main" xmlns:p14="http://schemas.microsoft.com/office/powerpoint/2010/main" xmlns:a14="http://schemas.microsoft.com/office/drawing/2010/main" w="9525">
+                <a14:hiddenLine xmlns:a14="http://schemas.microsoft.com/office/drawing/2010/main" xmlns:p14="http://schemas.microsoft.com/office/powerpoint/2010/main" xmlns:a16="http://schemas.microsoft.com/office/drawing/2014/main" xmlns="" w="9525">
                   <a:solidFill>
                     <a:srgbClr val="000000"/>
                   </a:solidFill>
@@ -31124,7 +31137,7 @@
             </a:ln>
             <a:extLst>
               <a:ext uri="{91240B29-F687-4f45-9708-019B960494DF}">
-                <a14:hiddenLine xmlns="" xmlns:a16="http://schemas.microsoft.com/office/drawing/2014/main" xmlns:p14="http://schemas.microsoft.com/office/powerpoint/2010/main" xmlns:a14="http://schemas.microsoft.com/office/drawing/2010/main" w="9525">
+                <a14:hiddenLine xmlns:a14="http://schemas.microsoft.com/office/drawing/2010/main" xmlns:p14="http://schemas.microsoft.com/office/powerpoint/2010/main" xmlns:a16="http://schemas.microsoft.com/office/drawing/2014/main" xmlns="" w="9525">
                   <a:solidFill>
                     <a:srgbClr val="000000"/>
                   </a:solidFill>
@@ -31229,7 +31242,7 @@
             </a:ln>
             <a:extLst>
               <a:ext uri="{91240B29-F687-4f45-9708-019B960494DF}">
-                <a14:hiddenLine xmlns="" xmlns:a16="http://schemas.microsoft.com/office/drawing/2014/main" xmlns:p14="http://schemas.microsoft.com/office/powerpoint/2010/main" xmlns:a14="http://schemas.microsoft.com/office/drawing/2010/main" w="9525">
+                <a14:hiddenLine xmlns:a14="http://schemas.microsoft.com/office/drawing/2010/main" xmlns:p14="http://schemas.microsoft.com/office/powerpoint/2010/main" xmlns:a16="http://schemas.microsoft.com/office/drawing/2014/main" xmlns="" w="9525">
                   <a:solidFill>
                     <a:srgbClr val="000000"/>
                   </a:solidFill>
@@ -31306,7 +31319,7 @@
             </a:ln>
             <a:extLst>
               <a:ext uri="{91240B29-F687-4f45-9708-019B960494DF}">
-                <a14:hiddenLine xmlns="" xmlns:a16="http://schemas.microsoft.com/office/drawing/2014/main" xmlns:p14="http://schemas.microsoft.com/office/powerpoint/2010/main" xmlns:a14="http://schemas.microsoft.com/office/drawing/2010/main" w="9525">
+                <a14:hiddenLine xmlns:a14="http://schemas.microsoft.com/office/drawing/2010/main" xmlns:p14="http://schemas.microsoft.com/office/powerpoint/2010/main" xmlns:a16="http://schemas.microsoft.com/office/drawing/2014/main" xmlns="" w="9525">
                   <a:solidFill>
                     <a:srgbClr val="000000"/>
                   </a:solidFill>
@@ -31411,7 +31424,7 @@
             </a:ln>
             <a:extLst>
               <a:ext uri="{91240B29-F687-4f45-9708-019B960494DF}">
-                <a14:hiddenLine xmlns="" xmlns:a16="http://schemas.microsoft.com/office/drawing/2014/main" xmlns:p14="http://schemas.microsoft.com/office/powerpoint/2010/main" xmlns:a14="http://schemas.microsoft.com/office/drawing/2010/main" w="9525">
+                <a14:hiddenLine xmlns:a14="http://schemas.microsoft.com/office/drawing/2010/main" xmlns:p14="http://schemas.microsoft.com/office/powerpoint/2010/main" xmlns:a16="http://schemas.microsoft.com/office/drawing/2014/main" xmlns="" w="9525">
                   <a:solidFill>
                     <a:srgbClr val="000000"/>
                   </a:solidFill>
@@ -31488,7 +31501,7 @@
             </a:ln>
             <a:extLst>
               <a:ext uri="{91240B29-F687-4f45-9708-019B960494DF}">
-                <a14:hiddenLine xmlns="" xmlns:a16="http://schemas.microsoft.com/office/drawing/2014/main" xmlns:p14="http://schemas.microsoft.com/office/powerpoint/2010/main" xmlns:a14="http://schemas.microsoft.com/office/drawing/2010/main" w="9525">
+                <a14:hiddenLine xmlns:a14="http://schemas.microsoft.com/office/drawing/2010/main" xmlns:p14="http://schemas.microsoft.com/office/powerpoint/2010/main" xmlns:a16="http://schemas.microsoft.com/office/drawing/2014/main" xmlns="" w="9525">
                   <a:solidFill>
                     <a:srgbClr val="000000"/>
                   </a:solidFill>
@@ -31565,7 +31578,7 @@
             </a:ln>
             <a:extLst>
               <a:ext uri="{91240B29-F687-4f45-9708-019B960494DF}">
-                <a14:hiddenLine xmlns="" xmlns:a16="http://schemas.microsoft.com/office/drawing/2014/main" xmlns:p14="http://schemas.microsoft.com/office/powerpoint/2010/main" xmlns:a14="http://schemas.microsoft.com/office/drawing/2010/main" w="9525">
+                <a14:hiddenLine xmlns:a14="http://schemas.microsoft.com/office/drawing/2010/main" xmlns:p14="http://schemas.microsoft.com/office/powerpoint/2010/main" xmlns:a16="http://schemas.microsoft.com/office/drawing/2014/main" xmlns="" w="9525">
                   <a:solidFill>
                     <a:srgbClr val="000000"/>
                   </a:solidFill>
@@ -31670,7 +31683,7 @@
             </a:ln>
             <a:extLst>
               <a:ext uri="{91240B29-F687-4f45-9708-019B960494DF}">
-                <a14:hiddenLine xmlns="" xmlns:a16="http://schemas.microsoft.com/office/drawing/2014/main" xmlns:p14="http://schemas.microsoft.com/office/powerpoint/2010/main" xmlns:a14="http://schemas.microsoft.com/office/drawing/2010/main" w="9525">
+                <a14:hiddenLine xmlns:a14="http://schemas.microsoft.com/office/drawing/2010/main" xmlns:p14="http://schemas.microsoft.com/office/powerpoint/2010/main" xmlns:a16="http://schemas.microsoft.com/office/drawing/2014/main" xmlns="" w="9525">
                   <a:solidFill>
                     <a:srgbClr val="000000"/>
                   </a:solidFill>
@@ -31775,7 +31788,7 @@
             </a:ln>
             <a:extLst>
               <a:ext uri="{91240B29-F687-4f45-9708-019B960494DF}">
-                <a14:hiddenLine xmlns="" xmlns:a16="http://schemas.microsoft.com/office/drawing/2014/main" xmlns:p14="http://schemas.microsoft.com/office/powerpoint/2010/main" xmlns:a14="http://schemas.microsoft.com/office/drawing/2010/main" w="9525">
+                <a14:hiddenLine xmlns:a14="http://schemas.microsoft.com/office/drawing/2010/main" xmlns:p14="http://schemas.microsoft.com/office/powerpoint/2010/main" xmlns:a16="http://schemas.microsoft.com/office/drawing/2014/main" xmlns="" w="9525">
                   <a:solidFill>
                     <a:srgbClr val="000000"/>
                   </a:solidFill>
@@ -31852,7 +31865,7 @@
             </a:ln>
             <a:extLst>
               <a:ext uri="{91240B29-F687-4f45-9708-019B960494DF}">
-                <a14:hiddenLine xmlns="" xmlns:a16="http://schemas.microsoft.com/office/drawing/2014/main" xmlns:p14="http://schemas.microsoft.com/office/powerpoint/2010/main" xmlns:a14="http://schemas.microsoft.com/office/drawing/2010/main" w="9525">
+                <a14:hiddenLine xmlns:a14="http://schemas.microsoft.com/office/drawing/2010/main" xmlns:p14="http://schemas.microsoft.com/office/powerpoint/2010/main" xmlns:a16="http://schemas.microsoft.com/office/drawing/2014/main" xmlns="" w="9525">
                   <a:solidFill>
                     <a:srgbClr val="000000"/>
                   </a:solidFill>
@@ -31977,7 +31990,7 @@
             </a:ln>
             <a:extLst>
               <a:ext uri="{91240B29-F687-4f45-9708-019B960494DF}">
-                <a14:hiddenLine xmlns="" xmlns:a16="http://schemas.microsoft.com/office/drawing/2014/main" xmlns:p14="http://schemas.microsoft.com/office/powerpoint/2010/main" xmlns:a14="http://schemas.microsoft.com/office/drawing/2010/main" w="9525">
+                <a14:hiddenLine xmlns:a14="http://schemas.microsoft.com/office/drawing/2010/main" xmlns:p14="http://schemas.microsoft.com/office/powerpoint/2010/main" xmlns:a16="http://schemas.microsoft.com/office/drawing/2014/main" xmlns="" w="9525">
                   <a:solidFill>
                     <a:srgbClr val="000000"/>
                   </a:solidFill>
@@ -32091,7 +32104,7 @@
             </a:ln>
             <a:extLst>
               <a:ext uri="{91240B29-F687-4f45-9708-019B960494DF}">
-                <a14:hiddenLine xmlns="" xmlns:a16="http://schemas.microsoft.com/office/drawing/2014/main" xmlns:p14="http://schemas.microsoft.com/office/powerpoint/2010/main" xmlns:a14="http://schemas.microsoft.com/office/drawing/2010/main" w="9525">
+                <a14:hiddenLine xmlns:a14="http://schemas.microsoft.com/office/drawing/2010/main" xmlns:p14="http://schemas.microsoft.com/office/powerpoint/2010/main" xmlns:a16="http://schemas.microsoft.com/office/drawing/2014/main" xmlns="" w="9525">
                   <a:solidFill>
                     <a:srgbClr val="000000"/>
                   </a:solidFill>
@@ -32168,7 +32181,7 @@
             </a:ln>
             <a:extLst>
               <a:ext uri="{91240B29-F687-4f45-9708-019B960494DF}">
-                <a14:hiddenLine xmlns="" xmlns:a16="http://schemas.microsoft.com/office/drawing/2014/main" xmlns:p14="http://schemas.microsoft.com/office/powerpoint/2010/main" xmlns:a14="http://schemas.microsoft.com/office/drawing/2010/main" w="9525">
+                <a14:hiddenLine xmlns:a14="http://schemas.microsoft.com/office/drawing/2010/main" xmlns:p14="http://schemas.microsoft.com/office/powerpoint/2010/main" xmlns:a16="http://schemas.microsoft.com/office/drawing/2014/main" xmlns="" w="9525">
                   <a:solidFill>
                     <a:srgbClr val="000000"/>
                   </a:solidFill>
@@ -32245,7 +32258,7 @@
             </a:ln>
             <a:extLst>
               <a:ext uri="{91240B29-F687-4f45-9708-019B960494DF}">
-                <a14:hiddenLine xmlns="" xmlns:a16="http://schemas.microsoft.com/office/drawing/2014/main" xmlns:p14="http://schemas.microsoft.com/office/powerpoint/2010/main" xmlns:a14="http://schemas.microsoft.com/office/drawing/2010/main" w="9525">
+                <a14:hiddenLine xmlns:a14="http://schemas.microsoft.com/office/drawing/2010/main" xmlns:p14="http://schemas.microsoft.com/office/powerpoint/2010/main" xmlns:a16="http://schemas.microsoft.com/office/drawing/2014/main" xmlns="" w="9525">
                   <a:solidFill>
                     <a:srgbClr val="000000"/>
                   </a:solidFill>
@@ -32350,7 +32363,7 @@
             </a:ln>
             <a:extLst>
               <a:ext uri="{91240B29-F687-4f45-9708-019B960494DF}">
-                <a14:hiddenLine xmlns="" xmlns:a16="http://schemas.microsoft.com/office/drawing/2014/main" xmlns:p14="http://schemas.microsoft.com/office/powerpoint/2010/main" xmlns:a14="http://schemas.microsoft.com/office/drawing/2010/main" w="9525">
+                <a14:hiddenLine xmlns:a14="http://schemas.microsoft.com/office/drawing/2010/main" xmlns:p14="http://schemas.microsoft.com/office/powerpoint/2010/main" xmlns:a16="http://schemas.microsoft.com/office/drawing/2014/main" xmlns="" w="9525">
                   <a:solidFill>
                     <a:srgbClr val="000000"/>
                   </a:solidFill>
@@ -32399,7 +32412,7 @@
             </a:ln>
             <a:extLst>
               <a:ext uri="{91240B29-F687-4f45-9708-019B960494DF}">
-                <a14:hiddenLine xmlns="" xmlns:a16="http://schemas.microsoft.com/office/drawing/2014/main" xmlns:p14="http://schemas.microsoft.com/office/powerpoint/2010/main" xmlns:a14="http://schemas.microsoft.com/office/drawing/2010/main" w="9525">
+                <a14:hiddenLine xmlns:a14="http://schemas.microsoft.com/office/drawing/2010/main" xmlns:p14="http://schemas.microsoft.com/office/powerpoint/2010/main" xmlns:a16="http://schemas.microsoft.com/office/drawing/2014/main" xmlns="" w="9525">
                   <a:solidFill>
                     <a:srgbClr val="000000"/>
                   </a:solidFill>
@@ -32479,7 +32492,7 @@
             </a:ln>
             <a:extLst>
               <a:ext uri="{91240B29-F687-4f45-9708-019B960494DF}">
-                <a14:hiddenLine xmlns="" xmlns:a16="http://schemas.microsoft.com/office/drawing/2014/main" xmlns:p14="http://schemas.microsoft.com/office/powerpoint/2010/main" xmlns:a14="http://schemas.microsoft.com/office/drawing/2010/main" w="9525">
+                <a14:hiddenLine xmlns:a14="http://schemas.microsoft.com/office/drawing/2010/main" xmlns:p14="http://schemas.microsoft.com/office/powerpoint/2010/main" xmlns:a16="http://schemas.microsoft.com/office/drawing/2014/main" xmlns="" w="9525">
                   <a:solidFill>
                     <a:srgbClr val="000000"/>
                   </a:solidFill>
@@ -32584,7 +32597,7 @@
             </a:ln>
             <a:extLst>
               <a:ext uri="{91240B29-F687-4f45-9708-019B960494DF}">
-                <a14:hiddenLine xmlns="" xmlns:a16="http://schemas.microsoft.com/office/drawing/2014/main" xmlns:p14="http://schemas.microsoft.com/office/powerpoint/2010/main" xmlns:a14="http://schemas.microsoft.com/office/drawing/2010/main" w="9525">
+                <a14:hiddenLine xmlns:a14="http://schemas.microsoft.com/office/drawing/2010/main" xmlns:p14="http://schemas.microsoft.com/office/powerpoint/2010/main" xmlns:a16="http://schemas.microsoft.com/office/drawing/2014/main" xmlns="" w="9525">
                   <a:solidFill>
                     <a:srgbClr val="000000"/>
                   </a:solidFill>
@@ -32661,7 +32674,7 @@
             </a:ln>
             <a:extLst>
               <a:ext uri="{91240B29-F687-4f45-9708-019B960494DF}">
-                <a14:hiddenLine xmlns="" xmlns:a16="http://schemas.microsoft.com/office/drawing/2014/main" xmlns:p14="http://schemas.microsoft.com/office/powerpoint/2010/main" xmlns:a14="http://schemas.microsoft.com/office/drawing/2010/main" w="9525">
+                <a14:hiddenLine xmlns:a14="http://schemas.microsoft.com/office/drawing/2010/main" xmlns:p14="http://schemas.microsoft.com/office/powerpoint/2010/main" xmlns:a16="http://schemas.microsoft.com/office/drawing/2014/main" xmlns="" w="9525">
                   <a:solidFill>
                     <a:srgbClr val="000000"/>
                   </a:solidFill>
@@ -32766,7 +32779,7 @@
             </a:ln>
             <a:extLst>
               <a:ext uri="{91240B29-F687-4f45-9708-019B960494DF}">
-                <a14:hiddenLine xmlns="" xmlns:a16="http://schemas.microsoft.com/office/drawing/2014/main" xmlns:p14="http://schemas.microsoft.com/office/powerpoint/2010/main" xmlns:a14="http://schemas.microsoft.com/office/drawing/2010/main" w="9525">
+                <a14:hiddenLine xmlns:a14="http://schemas.microsoft.com/office/drawing/2010/main" xmlns:p14="http://schemas.microsoft.com/office/powerpoint/2010/main" xmlns:a16="http://schemas.microsoft.com/office/drawing/2014/main" xmlns="" w="9525">
                   <a:solidFill>
                     <a:srgbClr val="000000"/>
                   </a:solidFill>
@@ -32846,7 +32859,7 @@
             </a:ln>
             <a:extLst>
               <a:ext uri="{91240B29-F687-4f45-9708-019B960494DF}">
-                <a14:hiddenLine xmlns="" xmlns:a16="http://schemas.microsoft.com/office/drawing/2014/main" xmlns:p14="http://schemas.microsoft.com/office/powerpoint/2010/main" xmlns:a14="http://schemas.microsoft.com/office/drawing/2010/main" w="9525">
+                <a14:hiddenLine xmlns:a14="http://schemas.microsoft.com/office/drawing/2010/main" xmlns:p14="http://schemas.microsoft.com/office/powerpoint/2010/main" xmlns:a16="http://schemas.microsoft.com/office/drawing/2014/main" xmlns="" w="9525">
                   <a:solidFill>
                     <a:srgbClr val="000000"/>
                   </a:solidFill>
@@ -32923,7 +32936,7 @@
             </a:ln>
             <a:extLst>
               <a:ext uri="{91240B29-F687-4f45-9708-019B960494DF}">
-                <a14:hiddenLine xmlns="" xmlns:a16="http://schemas.microsoft.com/office/drawing/2014/main" xmlns:p14="http://schemas.microsoft.com/office/powerpoint/2010/main" xmlns:a14="http://schemas.microsoft.com/office/drawing/2010/main" w="9525">
+                <a14:hiddenLine xmlns:a14="http://schemas.microsoft.com/office/drawing/2010/main" xmlns:p14="http://schemas.microsoft.com/office/powerpoint/2010/main" xmlns:a16="http://schemas.microsoft.com/office/drawing/2014/main" xmlns="" w="9525">
                   <a:solidFill>
                     <a:srgbClr val="000000"/>
                   </a:solidFill>
@@ -33028,7 +33041,7 @@
             </a:ln>
             <a:extLst>
               <a:ext uri="{91240B29-F687-4f45-9708-019B960494DF}">
-                <a14:hiddenLine xmlns="" xmlns:a16="http://schemas.microsoft.com/office/drawing/2014/main" xmlns:p14="http://schemas.microsoft.com/office/powerpoint/2010/main" xmlns:a14="http://schemas.microsoft.com/office/drawing/2010/main" w="9525">
+                <a14:hiddenLine xmlns:a14="http://schemas.microsoft.com/office/drawing/2010/main" xmlns:p14="http://schemas.microsoft.com/office/powerpoint/2010/main" xmlns:a16="http://schemas.microsoft.com/office/drawing/2014/main" xmlns="" w="9525">
                   <a:solidFill>
                     <a:srgbClr val="000000"/>
                   </a:solidFill>
@@ -33133,7 +33146,7 @@
             </a:ln>
             <a:extLst>
               <a:ext uri="{91240B29-F687-4f45-9708-019B960494DF}">
-                <a14:hiddenLine xmlns="" xmlns:a16="http://schemas.microsoft.com/office/drawing/2014/main" xmlns:p14="http://schemas.microsoft.com/office/powerpoint/2010/main" xmlns:a14="http://schemas.microsoft.com/office/drawing/2010/main" w="9525">
+                <a14:hiddenLine xmlns:a14="http://schemas.microsoft.com/office/drawing/2010/main" xmlns:p14="http://schemas.microsoft.com/office/powerpoint/2010/main" xmlns:a16="http://schemas.microsoft.com/office/drawing/2014/main" xmlns="" w="9525">
                   <a:solidFill>
                     <a:srgbClr val="000000"/>
                   </a:solidFill>
@@ -33213,7 +33226,7 @@
             </a:ln>
             <a:extLst>
               <a:ext uri="{91240B29-F687-4f45-9708-019B960494DF}">
-                <a14:hiddenLine xmlns="" xmlns:a16="http://schemas.microsoft.com/office/drawing/2014/main" xmlns:p14="http://schemas.microsoft.com/office/powerpoint/2010/main" xmlns:a14="http://schemas.microsoft.com/office/drawing/2010/main" w="9525">
+                <a14:hiddenLine xmlns:a14="http://schemas.microsoft.com/office/drawing/2010/main" xmlns:p14="http://schemas.microsoft.com/office/powerpoint/2010/main" xmlns:a16="http://schemas.microsoft.com/office/drawing/2014/main" xmlns="" w="9525">
                   <a:solidFill>
                     <a:srgbClr val="000000"/>
                   </a:solidFill>
@@ -33348,7 +33361,7 @@
             </a:ln>
             <a:extLst>
               <a:ext uri="{91240B29-F687-4f45-9708-019B960494DF}">
-                <a14:hiddenLine xmlns="" xmlns:a16="http://schemas.microsoft.com/office/drawing/2014/main" xmlns:p14="http://schemas.microsoft.com/office/powerpoint/2010/main" xmlns:a14="http://schemas.microsoft.com/office/drawing/2010/main" w="9525">
+                <a14:hiddenLine xmlns:a14="http://schemas.microsoft.com/office/drawing/2010/main" xmlns:p14="http://schemas.microsoft.com/office/powerpoint/2010/main" xmlns:a16="http://schemas.microsoft.com/office/drawing/2014/main" xmlns="" w="9525">
                   <a:solidFill>
                     <a:srgbClr val="000000"/>
                   </a:solidFill>

--- a/projetweb.pptx
+++ b/projetweb.pptx
@@ -1401,8 +1401,8 @@
             <a:t>Respect </a:t>
           </a:r>
           <a:r>
-            <a:rPr lang="fr-FR" dirty="0" err="1"/>
-            <a:t>load</a:t>
+            <a:rPr lang="fr-FR"/>
+            <a:t>functional</a:t>
           </a:r>
           <a:r>
             <a:rPr lang="fr-FR" dirty="0"/>
@@ -1827,7 +1827,7 @@
         </a:bodyPr>
         <a:lstStyle/>
         <a:p>
-          <a:pPr marL="0" lvl="0" indent="0" algn="ctr" defTabSz="1155700">
+          <a:pPr marL="0" lvl="0" indent="0" algn="ctr" defTabSz="1111250">
             <a:lnSpc>
               <a:spcPct val="100000"/>
             </a:lnSpc>
@@ -1841,18 +1841,18 @@
             <a:defRPr cap="all"/>
           </a:pPr>
           <a:r>
-            <a:rPr lang="fr-FR" sz="2600" kern="1200" dirty="0" err="1"/>
+            <a:rPr lang="fr-FR" sz="2500" kern="1200" dirty="0" err="1"/>
             <a:t>Create</a:t>
           </a:r>
           <a:r>
-            <a:rPr lang="fr-FR" sz="2600" kern="1200" dirty="0"/>
+            <a:rPr lang="fr-FR" sz="2500" kern="1200" dirty="0"/>
             <a:t> a </a:t>
           </a:r>
           <a:r>
-            <a:rPr lang="fr-FR" sz="2600" kern="1200" dirty="0" err="1"/>
+            <a:rPr lang="fr-FR" sz="2500" kern="1200" dirty="0" err="1"/>
             <a:t>WebSite</a:t>
           </a:r>
-          <a:endParaRPr lang="en-US" sz="2600" kern="1200" dirty="0"/>
+          <a:endParaRPr lang="en-US" sz="2500" kern="1200" dirty="0"/>
         </a:p>
       </dsp:txBody>
       <dsp:txXfrm>
@@ -1985,7 +1985,7 @@
         </a:bodyPr>
         <a:lstStyle/>
         <a:p>
-          <a:pPr marL="0" lvl="0" indent="0" algn="ctr" defTabSz="1155700">
+          <a:pPr marL="0" lvl="0" indent="0" algn="ctr" defTabSz="1111250">
             <a:lnSpc>
               <a:spcPct val="100000"/>
             </a:lnSpc>
@@ -1999,22 +1999,22 @@
             <a:defRPr cap="all"/>
           </a:pPr>
           <a:r>
-            <a:rPr lang="fr-FR" sz="2600" kern="1200" dirty="0"/>
+            <a:rPr lang="fr-FR" sz="2500" kern="1200" dirty="0"/>
             <a:t>Respect </a:t>
           </a:r>
           <a:r>
-            <a:rPr lang="fr-FR" sz="2600" kern="1200" dirty="0" err="1"/>
-            <a:t>load</a:t>
+            <a:rPr lang="fr-FR" sz="2500" kern="1200"/>
+            <a:t>functional</a:t>
           </a:r>
           <a:r>
-            <a:rPr lang="fr-FR" sz="2600" kern="1200" dirty="0"/>
+            <a:rPr lang="fr-FR" sz="2500" kern="1200" dirty="0"/>
             <a:t> </a:t>
           </a:r>
           <a:r>
-            <a:rPr lang="fr-FR" sz="2600" kern="1200" dirty="0" err="1"/>
+            <a:rPr lang="fr-FR" sz="2500" kern="1200" dirty="0" err="1"/>
             <a:t>specifications</a:t>
           </a:r>
-          <a:endParaRPr lang="en-US" sz="2600" kern="1200" dirty="0"/>
+          <a:endParaRPr lang="en-US" sz="2500" kern="1200" dirty="0"/>
         </a:p>
       </dsp:txBody>
       <dsp:txXfrm>
@@ -2147,7 +2147,7 @@
         </a:bodyPr>
         <a:lstStyle/>
         <a:p>
-          <a:pPr marL="0" lvl="0" indent="0" algn="ctr" defTabSz="1155700">
+          <a:pPr marL="0" lvl="0" indent="0" algn="ctr" defTabSz="1111250">
             <a:lnSpc>
               <a:spcPct val="100000"/>
             </a:lnSpc>
@@ -2161,22 +2161,22 @@
             <a:defRPr cap="all"/>
           </a:pPr>
           <a:r>
-            <a:rPr lang="fr-FR" sz="2600" kern="1200" dirty="0"/>
+            <a:rPr lang="fr-FR" sz="2500" kern="1200" dirty="0"/>
             <a:t>Respect </a:t>
           </a:r>
           <a:r>
-            <a:rPr lang="fr-FR" sz="2600" kern="1200" dirty="0" err="1"/>
+            <a:rPr lang="fr-FR" sz="2500" kern="1200" dirty="0" err="1"/>
             <a:t>technical</a:t>
           </a:r>
           <a:r>
-            <a:rPr lang="fr-FR" sz="2600" kern="1200" dirty="0"/>
+            <a:rPr lang="fr-FR" sz="2500" kern="1200" dirty="0"/>
             <a:t> </a:t>
           </a:r>
           <a:r>
-            <a:rPr lang="fr-FR" sz="2600" kern="1200" dirty="0" err="1"/>
+            <a:rPr lang="fr-FR" sz="2500" kern="1200" dirty="0" err="1"/>
             <a:t>specifications</a:t>
           </a:r>
-          <a:endParaRPr lang="en-US" sz="2600" kern="1200" dirty="0"/>
+          <a:endParaRPr lang="en-US" sz="2500" kern="1200" dirty="0"/>
         </a:p>
       </dsp:txBody>
       <dsp:txXfrm>
@@ -3836,7 +3836,7 @@
           <a:noFill/>
           <a:extLst>
             <a:ext uri="{909E8E84-426E-40dd-AFC4-6F175D3DCCD1}">
-              <a14:hiddenFill xmlns="" xmlns:a14="http://schemas.microsoft.com/office/drawing/2010/main">
+              <a14:hiddenFill xmlns:a14="http://schemas.microsoft.com/office/drawing/2010/main" xmlns="">
                 <a:solidFill>
                   <a:srgbClr val="FFFFFF"/>
                 </a:solidFill>
@@ -3896,7 +3896,7 @@
             </a:ln>
             <a:extLst>
               <a:ext uri="{91240B29-F687-4f45-9708-019B960494DF}">
-                <a14:hiddenLine xmlns="" xmlns:a14="http://schemas.microsoft.com/office/drawing/2010/main" w="9525">
+                <a14:hiddenLine xmlns:a14="http://schemas.microsoft.com/office/drawing/2010/main" xmlns="" w="9525">
                   <a:solidFill>
                     <a:srgbClr val="000000"/>
                   </a:solidFill>
@@ -3986,7 +3986,7 @@
             </a:ln>
             <a:extLst>
               <a:ext uri="{91240B29-F687-4f45-9708-019B960494DF}">
-                <a14:hiddenLine xmlns="" xmlns:a14="http://schemas.microsoft.com/office/drawing/2010/main" w="9525">
+                <a14:hiddenLine xmlns:a14="http://schemas.microsoft.com/office/drawing/2010/main" xmlns="" w="9525">
                   <a:solidFill>
                     <a:srgbClr val="000000"/>
                   </a:solidFill>
@@ -4076,7 +4076,7 @@
             </a:ln>
             <a:extLst>
               <a:ext uri="{91240B29-F687-4f45-9708-019B960494DF}">
-                <a14:hiddenLine xmlns="" xmlns:a14="http://schemas.microsoft.com/office/drawing/2010/main" w="9525">
+                <a14:hiddenLine xmlns:a14="http://schemas.microsoft.com/office/drawing/2010/main" xmlns="" w="9525">
                   <a:solidFill>
                     <a:srgbClr val="000000"/>
                   </a:solidFill>
@@ -4110,7 +4110,7 @@
             </a:ln>
             <a:extLst>
               <a:ext uri="{91240B29-F687-4f45-9708-019B960494DF}">
-                <a14:hiddenLine xmlns="" xmlns:a14="http://schemas.microsoft.com/office/drawing/2010/main" w="9525">
+                <a14:hiddenLine xmlns:a14="http://schemas.microsoft.com/office/drawing/2010/main" xmlns="" w="9525">
                   <a:solidFill>
                     <a:srgbClr val="000000"/>
                   </a:solidFill>
@@ -4200,7 +4200,7 @@
             </a:ln>
             <a:extLst>
               <a:ext uri="{91240B29-F687-4f45-9708-019B960494DF}">
-                <a14:hiddenLine xmlns="" xmlns:a14="http://schemas.microsoft.com/office/drawing/2010/main" w="9525">
+                <a14:hiddenLine xmlns:a14="http://schemas.microsoft.com/office/drawing/2010/main" xmlns="" w="9525">
                   <a:solidFill>
                     <a:srgbClr val="000000"/>
                   </a:solidFill>
@@ -4262,7 +4262,7 @@
             </a:ln>
             <a:extLst>
               <a:ext uri="{91240B29-F687-4f45-9708-019B960494DF}">
-                <a14:hiddenLine xmlns="" xmlns:a14="http://schemas.microsoft.com/office/drawing/2010/main" w="9525">
+                <a14:hiddenLine xmlns:a14="http://schemas.microsoft.com/office/drawing/2010/main" xmlns="" w="9525">
                   <a:solidFill>
                     <a:srgbClr val="000000"/>
                   </a:solidFill>
@@ -4324,7 +4324,7 @@
             </a:ln>
             <a:extLst>
               <a:ext uri="{91240B29-F687-4f45-9708-019B960494DF}">
-                <a14:hiddenLine xmlns="" xmlns:a14="http://schemas.microsoft.com/office/drawing/2010/main" w="9525">
+                <a14:hiddenLine xmlns:a14="http://schemas.microsoft.com/office/drawing/2010/main" xmlns="" w="9525">
                   <a:solidFill>
                     <a:srgbClr val="000000"/>
                   </a:solidFill>
@@ -4414,7 +4414,7 @@
             </a:ln>
             <a:extLst>
               <a:ext uri="{91240B29-F687-4f45-9708-019B960494DF}">
-                <a14:hiddenLine xmlns="" xmlns:a14="http://schemas.microsoft.com/office/drawing/2010/main" w="9525">
+                <a14:hiddenLine xmlns:a14="http://schemas.microsoft.com/office/drawing/2010/main" xmlns="" w="9525">
                   <a:solidFill>
                     <a:srgbClr val="000000"/>
                   </a:solidFill>
@@ -4476,7 +4476,7 @@
             </a:ln>
             <a:extLst>
               <a:ext uri="{91240B29-F687-4f45-9708-019B960494DF}">
-                <a14:hiddenLine xmlns="" xmlns:a14="http://schemas.microsoft.com/office/drawing/2010/main" w="9525">
+                <a14:hiddenLine xmlns:a14="http://schemas.microsoft.com/office/drawing/2010/main" xmlns="" w="9525">
                   <a:solidFill>
                     <a:srgbClr val="000000"/>
                   </a:solidFill>
@@ -4538,7 +4538,7 @@
             </a:ln>
             <a:extLst>
               <a:ext uri="{91240B29-F687-4f45-9708-019B960494DF}">
-                <a14:hiddenLine xmlns="" xmlns:a14="http://schemas.microsoft.com/office/drawing/2010/main" w="9525">
+                <a14:hiddenLine xmlns:a14="http://schemas.microsoft.com/office/drawing/2010/main" xmlns="" w="9525">
                   <a:solidFill>
                     <a:srgbClr val="000000"/>
                   </a:solidFill>
@@ -4628,7 +4628,7 @@
             </a:ln>
             <a:extLst>
               <a:ext uri="{91240B29-F687-4f45-9708-019B960494DF}">
-                <a14:hiddenLine xmlns="" xmlns:a14="http://schemas.microsoft.com/office/drawing/2010/main" w="9525">
+                <a14:hiddenLine xmlns:a14="http://schemas.microsoft.com/office/drawing/2010/main" xmlns="" w="9525">
                   <a:solidFill>
                     <a:srgbClr val="000000"/>
                   </a:solidFill>
@@ -4718,7 +4718,7 @@
             </a:ln>
             <a:extLst>
               <a:ext uri="{91240B29-F687-4f45-9708-019B960494DF}">
-                <a14:hiddenLine xmlns="" xmlns:a14="http://schemas.microsoft.com/office/drawing/2010/main" w="9525">
+                <a14:hiddenLine xmlns:a14="http://schemas.microsoft.com/office/drawing/2010/main" xmlns="" w="9525">
                   <a:solidFill>
                     <a:srgbClr val="000000"/>
                   </a:solidFill>
@@ -4780,7 +4780,7 @@
             </a:ln>
             <a:extLst>
               <a:ext uri="{91240B29-F687-4f45-9708-019B960494DF}">
-                <a14:hiddenLine xmlns="" xmlns:a14="http://schemas.microsoft.com/office/drawing/2010/main" w="9525">
+                <a14:hiddenLine xmlns:a14="http://schemas.microsoft.com/office/drawing/2010/main" xmlns="" w="9525">
                   <a:solidFill>
                     <a:srgbClr val="000000"/>
                   </a:solidFill>
@@ -4890,7 +4890,7 @@
             </a:ln>
             <a:extLst>
               <a:ext uri="{91240B29-F687-4f45-9708-019B960494DF}">
-                <a14:hiddenLine xmlns="" xmlns:a14="http://schemas.microsoft.com/office/drawing/2010/main" w="9525">
+                <a14:hiddenLine xmlns:a14="http://schemas.microsoft.com/office/drawing/2010/main" xmlns="" w="9525">
                   <a:solidFill>
                     <a:srgbClr val="000000"/>
                   </a:solidFill>
@@ -4952,7 +4952,7 @@
             </a:ln>
             <a:extLst>
               <a:ext uri="{91240B29-F687-4f45-9708-019B960494DF}">
-                <a14:hiddenLine xmlns="" xmlns:a14="http://schemas.microsoft.com/office/drawing/2010/main" w="9525">
+                <a14:hiddenLine xmlns:a14="http://schemas.microsoft.com/office/drawing/2010/main" xmlns="" w="9525">
                   <a:solidFill>
                     <a:srgbClr val="000000"/>
                   </a:solidFill>
@@ -5042,7 +5042,7 @@
             </a:ln>
             <a:extLst>
               <a:ext uri="{91240B29-F687-4f45-9708-019B960494DF}">
-                <a14:hiddenLine xmlns="" xmlns:a14="http://schemas.microsoft.com/office/drawing/2010/main" w="9525">
+                <a14:hiddenLine xmlns:a14="http://schemas.microsoft.com/office/drawing/2010/main" xmlns="" w="9525">
                   <a:solidFill>
                     <a:srgbClr val="000000"/>
                   </a:solidFill>
@@ -5132,7 +5132,7 @@
             </a:ln>
             <a:extLst>
               <a:ext uri="{91240B29-F687-4f45-9708-019B960494DF}">
-                <a14:hiddenLine xmlns="" xmlns:a14="http://schemas.microsoft.com/office/drawing/2010/main" w="9525">
+                <a14:hiddenLine xmlns:a14="http://schemas.microsoft.com/office/drawing/2010/main" xmlns="" w="9525">
                   <a:solidFill>
                     <a:srgbClr val="000000"/>
                   </a:solidFill>
@@ -5194,7 +5194,7 @@
             </a:ln>
             <a:extLst>
               <a:ext uri="{91240B29-F687-4f45-9708-019B960494DF}">
-                <a14:hiddenLine xmlns="" xmlns:a14="http://schemas.microsoft.com/office/drawing/2010/main" w="9525">
+                <a14:hiddenLine xmlns:a14="http://schemas.microsoft.com/office/drawing/2010/main" xmlns="" w="9525">
                   <a:solidFill>
                     <a:srgbClr val="000000"/>
                   </a:solidFill>
@@ -5284,7 +5284,7 @@
             </a:ln>
             <a:extLst>
               <a:ext uri="{91240B29-F687-4f45-9708-019B960494DF}">
-                <a14:hiddenLine xmlns="" xmlns:a14="http://schemas.microsoft.com/office/drawing/2010/main" w="9525">
+                <a14:hiddenLine xmlns:a14="http://schemas.microsoft.com/office/drawing/2010/main" xmlns="" w="9525">
                   <a:solidFill>
                     <a:srgbClr val="000000"/>
                   </a:solidFill>
@@ -5374,7 +5374,7 @@
             </a:ln>
             <a:extLst>
               <a:ext uri="{91240B29-F687-4f45-9708-019B960494DF}">
-                <a14:hiddenLine xmlns="" xmlns:a14="http://schemas.microsoft.com/office/drawing/2010/main" w="9525">
+                <a14:hiddenLine xmlns:a14="http://schemas.microsoft.com/office/drawing/2010/main" xmlns="" w="9525">
                   <a:solidFill>
                     <a:srgbClr val="000000"/>
                   </a:solidFill>
@@ -5430,7 +5430,7 @@
             </a:ln>
             <a:extLst>
               <a:ext uri="{91240B29-F687-4f45-9708-019B960494DF}">
-                <a14:hiddenLine xmlns="" xmlns:a14="http://schemas.microsoft.com/office/drawing/2010/main" w="9525">
+                <a14:hiddenLine xmlns:a14="http://schemas.microsoft.com/office/drawing/2010/main" xmlns="" w="9525">
                   <a:solidFill>
                     <a:srgbClr val="000000"/>
                   </a:solidFill>
@@ -5520,7 +5520,7 @@
             </a:ln>
             <a:extLst>
               <a:ext uri="{91240B29-F687-4f45-9708-019B960494DF}">
-                <a14:hiddenLine xmlns="" xmlns:a14="http://schemas.microsoft.com/office/drawing/2010/main" w="9525">
+                <a14:hiddenLine xmlns:a14="http://schemas.microsoft.com/office/drawing/2010/main" xmlns="" w="9525">
                   <a:solidFill>
                     <a:srgbClr val="000000"/>
                   </a:solidFill>
@@ -5576,7 +5576,7 @@
             </a:ln>
             <a:extLst>
               <a:ext uri="{91240B29-F687-4f45-9708-019B960494DF}">
-                <a14:hiddenLine xmlns="" xmlns:a14="http://schemas.microsoft.com/office/drawing/2010/main" w="9525">
+                <a14:hiddenLine xmlns:a14="http://schemas.microsoft.com/office/drawing/2010/main" xmlns="" w="9525">
                   <a:solidFill>
                     <a:srgbClr val="000000"/>
                   </a:solidFill>
@@ -5666,7 +5666,7 @@
             </a:ln>
             <a:extLst>
               <a:ext uri="{91240B29-F687-4f45-9708-019B960494DF}">
-                <a14:hiddenLine xmlns="" xmlns:a14="http://schemas.microsoft.com/office/drawing/2010/main" w="9525">
+                <a14:hiddenLine xmlns:a14="http://schemas.microsoft.com/office/drawing/2010/main" xmlns="" w="9525">
                   <a:solidFill>
                     <a:srgbClr val="000000"/>
                   </a:solidFill>
@@ -5734,7 +5734,7 @@
             </a:ln>
             <a:extLst>
               <a:ext uri="{91240B29-F687-4f45-9708-019B960494DF}">
-                <a14:hiddenLine xmlns="" xmlns:a14="http://schemas.microsoft.com/office/drawing/2010/main" w="9525">
+                <a14:hiddenLine xmlns:a14="http://schemas.microsoft.com/office/drawing/2010/main" xmlns="" w="9525">
                   <a:solidFill>
                     <a:srgbClr val="000000"/>
                   </a:solidFill>
@@ -5824,7 +5824,7 @@
             </a:ln>
             <a:extLst>
               <a:ext uri="{91240B29-F687-4f45-9708-019B960494DF}">
-                <a14:hiddenLine xmlns="" xmlns:a14="http://schemas.microsoft.com/office/drawing/2010/main" w="9525">
+                <a14:hiddenLine xmlns:a14="http://schemas.microsoft.com/office/drawing/2010/main" xmlns="" w="9525">
                   <a:solidFill>
                     <a:srgbClr val="000000"/>
                   </a:solidFill>
@@ -5892,7 +5892,7 @@
             </a:ln>
             <a:extLst>
               <a:ext uri="{91240B29-F687-4f45-9708-019B960494DF}">
-                <a14:hiddenLine xmlns="" xmlns:a14="http://schemas.microsoft.com/office/drawing/2010/main" w="9525">
+                <a14:hiddenLine xmlns:a14="http://schemas.microsoft.com/office/drawing/2010/main" xmlns="" w="9525">
                   <a:solidFill>
                     <a:srgbClr val="000000"/>
                   </a:solidFill>
@@ -5982,7 +5982,7 @@
             </a:ln>
             <a:extLst>
               <a:ext uri="{91240B29-F687-4f45-9708-019B960494DF}">
-                <a14:hiddenLine xmlns="" xmlns:a14="http://schemas.microsoft.com/office/drawing/2010/main" w="9525">
+                <a14:hiddenLine xmlns:a14="http://schemas.microsoft.com/office/drawing/2010/main" xmlns="" w="9525">
                   <a:solidFill>
                     <a:srgbClr val="000000"/>
                   </a:solidFill>
@@ -6016,7 +6016,7 @@
             </a:ln>
             <a:extLst>
               <a:ext uri="{91240B29-F687-4f45-9708-019B960494DF}">
-                <a14:hiddenLine xmlns="" xmlns:a14="http://schemas.microsoft.com/office/drawing/2010/main" w="9525">
+                <a14:hiddenLine xmlns:a14="http://schemas.microsoft.com/office/drawing/2010/main" xmlns="" w="9525">
                   <a:solidFill>
                     <a:srgbClr val="000000"/>
                   </a:solidFill>
@@ -6106,7 +6106,7 @@
             </a:ln>
             <a:extLst>
               <a:ext uri="{91240B29-F687-4f45-9708-019B960494DF}">
-                <a14:hiddenLine xmlns="" xmlns:a14="http://schemas.microsoft.com/office/drawing/2010/main" w="9525">
+                <a14:hiddenLine xmlns:a14="http://schemas.microsoft.com/office/drawing/2010/main" xmlns="" w="9525">
                   <a:solidFill>
                     <a:srgbClr val="000000"/>
                   </a:solidFill>
@@ -6168,7 +6168,7 @@
             </a:ln>
             <a:extLst>
               <a:ext uri="{91240B29-F687-4f45-9708-019B960494DF}">
-                <a14:hiddenLine xmlns="" xmlns:a14="http://schemas.microsoft.com/office/drawing/2010/main" w="9525">
+                <a14:hiddenLine xmlns:a14="http://schemas.microsoft.com/office/drawing/2010/main" xmlns="" w="9525">
                   <a:solidFill>
                     <a:srgbClr val="000000"/>
                   </a:solidFill>
@@ -6230,7 +6230,7 @@
             </a:ln>
             <a:extLst>
               <a:ext uri="{91240B29-F687-4f45-9708-019B960494DF}">
-                <a14:hiddenLine xmlns="" xmlns:a14="http://schemas.microsoft.com/office/drawing/2010/main" w="9525">
+                <a14:hiddenLine xmlns:a14="http://schemas.microsoft.com/office/drawing/2010/main" xmlns="" w="9525">
                   <a:solidFill>
                     <a:srgbClr val="000000"/>
                   </a:solidFill>
@@ -6320,7 +6320,7 @@
             </a:ln>
             <a:extLst>
               <a:ext uri="{91240B29-F687-4f45-9708-019B960494DF}">
-                <a14:hiddenLine xmlns="" xmlns:a14="http://schemas.microsoft.com/office/drawing/2010/main" w="9525">
+                <a14:hiddenLine xmlns:a14="http://schemas.microsoft.com/office/drawing/2010/main" xmlns="" w="9525">
                   <a:solidFill>
                     <a:srgbClr val="000000"/>
                   </a:solidFill>
@@ -6388,7 +6388,7 @@
             </a:ln>
             <a:extLst>
               <a:ext uri="{91240B29-F687-4f45-9708-019B960494DF}">
-                <a14:hiddenLine xmlns="" xmlns:a14="http://schemas.microsoft.com/office/drawing/2010/main" w="9525">
+                <a14:hiddenLine xmlns:a14="http://schemas.microsoft.com/office/drawing/2010/main" xmlns="" w="9525">
                   <a:solidFill>
                     <a:srgbClr val="000000"/>
                   </a:solidFill>
@@ -6450,7 +6450,7 @@
             </a:ln>
             <a:extLst>
               <a:ext uri="{91240B29-F687-4f45-9708-019B960494DF}">
-                <a14:hiddenLine xmlns="" xmlns:a14="http://schemas.microsoft.com/office/drawing/2010/main" w="9525">
+                <a14:hiddenLine xmlns:a14="http://schemas.microsoft.com/office/drawing/2010/main" xmlns="" w="9525">
                   <a:solidFill>
                     <a:srgbClr val="000000"/>
                   </a:solidFill>
@@ -6540,7 +6540,7 @@
             </a:ln>
             <a:extLst>
               <a:ext uri="{91240B29-F687-4f45-9708-019B960494DF}">
-                <a14:hiddenLine xmlns="" xmlns:a14="http://schemas.microsoft.com/office/drawing/2010/main" w="9525">
+                <a14:hiddenLine xmlns:a14="http://schemas.microsoft.com/office/drawing/2010/main" xmlns="" w="9525">
                   <a:solidFill>
                     <a:srgbClr val="000000"/>
                   </a:solidFill>
@@ -6602,7 +6602,7 @@
             </a:ln>
             <a:extLst>
               <a:ext uri="{91240B29-F687-4f45-9708-019B960494DF}">
-                <a14:hiddenLine xmlns="" xmlns:a14="http://schemas.microsoft.com/office/drawing/2010/main" w="9525">
+                <a14:hiddenLine xmlns:a14="http://schemas.microsoft.com/office/drawing/2010/main" xmlns="" w="9525">
                   <a:solidFill>
                     <a:srgbClr val="000000"/>
                   </a:solidFill>
@@ -6692,7 +6692,7 @@
             </a:ln>
             <a:extLst>
               <a:ext uri="{91240B29-F687-4f45-9708-019B960494DF}">
-                <a14:hiddenLine xmlns="" xmlns:a14="http://schemas.microsoft.com/office/drawing/2010/main" w="9525">
+                <a14:hiddenLine xmlns:a14="http://schemas.microsoft.com/office/drawing/2010/main" xmlns="" w="9525">
                   <a:solidFill>
                     <a:srgbClr val="000000"/>
                   </a:solidFill>
@@ -6754,7 +6754,7 @@
             </a:ln>
             <a:extLst>
               <a:ext uri="{91240B29-F687-4f45-9708-019B960494DF}">
-                <a14:hiddenLine xmlns="" xmlns:a14="http://schemas.microsoft.com/office/drawing/2010/main" w="9525">
+                <a14:hiddenLine xmlns:a14="http://schemas.microsoft.com/office/drawing/2010/main" xmlns="" w="9525">
                   <a:solidFill>
                     <a:srgbClr val="000000"/>
                   </a:solidFill>
@@ -6844,7 +6844,7 @@
             </a:ln>
             <a:extLst>
               <a:ext uri="{91240B29-F687-4f45-9708-019B960494DF}">
-                <a14:hiddenLine xmlns="" xmlns:a14="http://schemas.microsoft.com/office/drawing/2010/main" w="9525">
+                <a14:hiddenLine xmlns:a14="http://schemas.microsoft.com/office/drawing/2010/main" xmlns="" w="9525">
                   <a:solidFill>
                     <a:srgbClr val="000000"/>
                   </a:solidFill>
@@ -6878,7 +6878,7 @@
             </a:ln>
             <a:extLst>
               <a:ext uri="{91240B29-F687-4f45-9708-019B960494DF}">
-                <a14:hiddenLine xmlns="" xmlns:a14="http://schemas.microsoft.com/office/drawing/2010/main" w="9525">
+                <a14:hiddenLine xmlns:a14="http://schemas.microsoft.com/office/drawing/2010/main" xmlns="" w="9525">
                   <a:solidFill>
                     <a:srgbClr val="000000"/>
                   </a:solidFill>
@@ -6943,7 +6943,7 @@
             </a:ln>
             <a:extLst>
               <a:ext uri="{91240B29-F687-4f45-9708-019B960494DF}">
-                <a14:hiddenLine xmlns="" xmlns:a14="http://schemas.microsoft.com/office/drawing/2010/main" w="9525">
+                <a14:hiddenLine xmlns:a14="http://schemas.microsoft.com/office/drawing/2010/main" xmlns="" w="9525">
                   <a:solidFill>
                     <a:srgbClr val="000000"/>
                   </a:solidFill>
@@ -7033,7 +7033,7 @@
             </a:ln>
             <a:extLst>
               <a:ext uri="{91240B29-F687-4f45-9708-019B960494DF}">
-                <a14:hiddenLine xmlns="" xmlns:a14="http://schemas.microsoft.com/office/drawing/2010/main" w="9525">
+                <a14:hiddenLine xmlns:a14="http://schemas.microsoft.com/office/drawing/2010/main" xmlns="" w="9525">
                   <a:solidFill>
                     <a:srgbClr val="000000"/>
                   </a:solidFill>
@@ -7095,7 +7095,7 @@
             </a:ln>
             <a:extLst>
               <a:ext uri="{91240B29-F687-4f45-9708-019B960494DF}">
-                <a14:hiddenLine xmlns="" xmlns:a14="http://schemas.microsoft.com/office/drawing/2010/main" w="9525">
+                <a14:hiddenLine xmlns:a14="http://schemas.microsoft.com/office/drawing/2010/main" xmlns="" w="9525">
                   <a:solidFill>
                     <a:srgbClr val="000000"/>
                   </a:solidFill>
@@ -7185,7 +7185,7 @@
             </a:ln>
             <a:extLst>
               <a:ext uri="{91240B29-F687-4f45-9708-019B960494DF}">
-                <a14:hiddenLine xmlns="" xmlns:a14="http://schemas.microsoft.com/office/drawing/2010/main" w="9525">
+                <a14:hiddenLine xmlns:a14="http://schemas.microsoft.com/office/drawing/2010/main" xmlns="" w="9525">
                   <a:solidFill>
                     <a:srgbClr val="000000"/>
                   </a:solidFill>
@@ -7275,7 +7275,7 @@
             </a:ln>
             <a:extLst>
               <a:ext uri="{91240B29-F687-4f45-9708-019B960494DF}">
-                <a14:hiddenLine xmlns="" xmlns:a14="http://schemas.microsoft.com/office/drawing/2010/main" w="9525">
+                <a14:hiddenLine xmlns:a14="http://schemas.microsoft.com/office/drawing/2010/main" xmlns="" w="9525">
                   <a:solidFill>
                     <a:srgbClr val="000000"/>
                   </a:solidFill>
@@ -7340,7 +7340,7 @@
             </a:ln>
             <a:extLst>
               <a:ext uri="{91240B29-F687-4f45-9708-019B960494DF}">
-                <a14:hiddenLine xmlns="" xmlns:a14="http://schemas.microsoft.com/office/drawing/2010/main" w="9525">
+                <a14:hiddenLine xmlns:a14="http://schemas.microsoft.com/office/drawing/2010/main" xmlns="" w="9525">
                   <a:solidFill>
                     <a:srgbClr val="000000"/>
                   </a:solidFill>
@@ -7402,7 +7402,7 @@
             </a:ln>
             <a:extLst>
               <a:ext uri="{91240B29-F687-4f45-9708-019B960494DF}">
-                <a14:hiddenLine xmlns="" xmlns:a14="http://schemas.microsoft.com/office/drawing/2010/main" w="9525">
+                <a14:hiddenLine xmlns:a14="http://schemas.microsoft.com/office/drawing/2010/main" xmlns="" w="9525">
                   <a:solidFill>
                     <a:srgbClr val="000000"/>
                   </a:solidFill>
@@ -7492,7 +7492,7 @@
             </a:ln>
             <a:extLst>
               <a:ext uri="{91240B29-F687-4f45-9708-019B960494DF}">
-                <a14:hiddenLine xmlns="" xmlns:a14="http://schemas.microsoft.com/office/drawing/2010/main" w="9525">
+                <a14:hiddenLine xmlns:a14="http://schemas.microsoft.com/office/drawing/2010/main" xmlns="" w="9525">
                   <a:solidFill>
                     <a:srgbClr val="000000"/>
                   </a:solidFill>
@@ -7582,7 +7582,7 @@
             </a:ln>
             <a:extLst>
               <a:ext uri="{91240B29-F687-4f45-9708-019B960494DF}">
-                <a14:hiddenLine xmlns="" xmlns:a14="http://schemas.microsoft.com/office/drawing/2010/main" w="9525">
+                <a14:hiddenLine xmlns:a14="http://schemas.microsoft.com/office/drawing/2010/main" xmlns="" w="9525">
                   <a:solidFill>
                     <a:srgbClr val="000000"/>
                   </a:solidFill>
@@ -7644,7 +7644,7 @@
             </a:ln>
             <a:extLst>
               <a:ext uri="{91240B29-F687-4f45-9708-019B960494DF}">
-                <a14:hiddenLine xmlns="" xmlns:a14="http://schemas.microsoft.com/office/drawing/2010/main" w="9525">
+                <a14:hiddenLine xmlns:a14="http://schemas.microsoft.com/office/drawing/2010/main" xmlns="" w="9525">
                   <a:solidFill>
                     <a:srgbClr val="000000"/>
                   </a:solidFill>
@@ -7764,7 +7764,7 @@
             </a:ln>
             <a:extLst>
               <a:ext uri="{91240B29-F687-4f45-9708-019B960494DF}">
-                <a14:hiddenLine xmlns="" xmlns:a14="http://schemas.microsoft.com/office/drawing/2010/main" w="9525">
+                <a14:hiddenLine xmlns:a14="http://schemas.microsoft.com/office/drawing/2010/main" xmlns="" w="9525">
                   <a:solidFill>
                     <a:srgbClr val="000000"/>
                   </a:solidFill>
@@ -7832,7 +7832,7 @@
             </a:ln>
             <a:extLst>
               <a:ext uri="{91240B29-F687-4f45-9708-019B960494DF}">
-                <a14:hiddenLine xmlns="" xmlns:a14="http://schemas.microsoft.com/office/drawing/2010/main" w="9525">
+                <a14:hiddenLine xmlns:a14="http://schemas.microsoft.com/office/drawing/2010/main" xmlns="" w="9525">
                   <a:solidFill>
                     <a:srgbClr val="000000"/>
                   </a:solidFill>
@@ -7922,7 +7922,7 @@
             </a:ln>
             <a:extLst>
               <a:ext uri="{91240B29-F687-4f45-9708-019B960494DF}">
-                <a14:hiddenLine xmlns="" xmlns:a14="http://schemas.microsoft.com/office/drawing/2010/main" w="9525">
+                <a14:hiddenLine xmlns:a14="http://schemas.microsoft.com/office/drawing/2010/main" xmlns="" w="9525">
                   <a:solidFill>
                     <a:srgbClr val="000000"/>
                   </a:solidFill>
@@ -12809,7 +12809,7 @@
           <a:noFill/>
           <a:extLst>
             <a:ext uri="{909E8E84-426E-40dd-AFC4-6F175D3DCCD1}">
-              <a14:hiddenFill xmlns="" xmlns:a14="http://schemas.microsoft.com/office/drawing/2010/main">
+              <a14:hiddenFill xmlns:a14="http://schemas.microsoft.com/office/drawing/2010/main" xmlns="">
                 <a:solidFill>
                   <a:srgbClr val="FFFFFF"/>
                 </a:solidFill>
@@ -12883,7 +12883,7 @@
               </a:ln>
               <a:extLst>
                 <a:ext uri="{91240B29-F687-4f45-9708-019B960494DF}">
-                  <a14:hiddenLine xmlns="" xmlns:a14="http://schemas.microsoft.com/office/drawing/2010/main" w="9525">
+                  <a14:hiddenLine xmlns:a14="http://schemas.microsoft.com/office/drawing/2010/main" xmlns="" w="9525">
                     <a:solidFill>
                       <a:srgbClr val="000000"/>
                     </a:solidFill>
@@ -12973,7 +12973,7 @@
               </a:ln>
               <a:extLst>
                 <a:ext uri="{91240B29-F687-4f45-9708-019B960494DF}">
-                  <a14:hiddenLine xmlns="" xmlns:a14="http://schemas.microsoft.com/office/drawing/2010/main" w="9525">
+                  <a14:hiddenLine xmlns:a14="http://schemas.microsoft.com/office/drawing/2010/main" xmlns="" w="9525">
                     <a:solidFill>
                       <a:srgbClr val="000000"/>
                     </a:solidFill>
@@ -13063,7 +13063,7 @@
               </a:ln>
               <a:extLst>
                 <a:ext uri="{91240B29-F687-4f45-9708-019B960494DF}">
-                  <a14:hiddenLine xmlns="" xmlns:a14="http://schemas.microsoft.com/office/drawing/2010/main" w="9525">
+                  <a14:hiddenLine xmlns:a14="http://schemas.microsoft.com/office/drawing/2010/main" xmlns="" w="9525">
                     <a:solidFill>
                       <a:srgbClr val="000000"/>
                     </a:solidFill>
@@ -13125,7 +13125,7 @@
               </a:ln>
               <a:extLst>
                 <a:ext uri="{91240B29-F687-4f45-9708-019B960494DF}">
-                  <a14:hiddenLine xmlns="" xmlns:a14="http://schemas.microsoft.com/office/drawing/2010/main" w="9525">
+                  <a14:hiddenLine xmlns:a14="http://schemas.microsoft.com/office/drawing/2010/main" xmlns="" w="9525">
                     <a:solidFill>
                       <a:srgbClr val="000000"/>
                     </a:solidFill>
@@ -13215,7 +13215,7 @@
               </a:ln>
               <a:extLst>
                 <a:ext uri="{91240B29-F687-4f45-9708-019B960494DF}">
-                  <a14:hiddenLine xmlns="" xmlns:a14="http://schemas.microsoft.com/office/drawing/2010/main" w="9525">
+                  <a14:hiddenLine xmlns:a14="http://schemas.microsoft.com/office/drawing/2010/main" xmlns="" w="9525">
                     <a:solidFill>
                       <a:srgbClr val="000000"/>
                     </a:solidFill>
@@ -13277,7 +13277,7 @@
               </a:ln>
               <a:extLst>
                 <a:ext uri="{91240B29-F687-4f45-9708-019B960494DF}">
-                  <a14:hiddenLine xmlns="" xmlns:a14="http://schemas.microsoft.com/office/drawing/2010/main" w="9525">
+                  <a14:hiddenLine xmlns:a14="http://schemas.microsoft.com/office/drawing/2010/main" xmlns="" w="9525">
                     <a:solidFill>
                       <a:srgbClr val="000000"/>
                     </a:solidFill>
@@ -13339,7 +13339,7 @@
               </a:ln>
               <a:extLst>
                 <a:ext uri="{91240B29-F687-4f45-9708-019B960494DF}">
-                  <a14:hiddenLine xmlns="" xmlns:a14="http://schemas.microsoft.com/office/drawing/2010/main" w="9525">
+                  <a14:hiddenLine xmlns:a14="http://schemas.microsoft.com/office/drawing/2010/main" xmlns="" w="9525">
                     <a:solidFill>
                       <a:srgbClr val="000000"/>
                     </a:solidFill>
@@ -13429,7 +13429,7 @@
               </a:ln>
               <a:extLst>
                 <a:ext uri="{91240B29-F687-4f45-9708-019B960494DF}">
-                  <a14:hiddenLine xmlns="" xmlns:a14="http://schemas.microsoft.com/office/drawing/2010/main" w="9525">
+                  <a14:hiddenLine xmlns:a14="http://schemas.microsoft.com/office/drawing/2010/main" xmlns="" w="9525">
                     <a:solidFill>
                       <a:srgbClr val="000000"/>
                     </a:solidFill>
@@ -13519,7 +13519,7 @@
               </a:ln>
               <a:extLst>
                 <a:ext uri="{91240B29-F687-4f45-9708-019B960494DF}">
-                  <a14:hiddenLine xmlns="" xmlns:a14="http://schemas.microsoft.com/office/drawing/2010/main" w="9525">
+                  <a14:hiddenLine xmlns:a14="http://schemas.microsoft.com/office/drawing/2010/main" xmlns="" w="9525">
                     <a:solidFill>
                       <a:srgbClr val="000000"/>
                     </a:solidFill>
@@ -13581,7 +13581,7 @@
               </a:ln>
               <a:extLst>
                 <a:ext uri="{91240B29-F687-4f45-9708-019B960494DF}">
-                  <a14:hiddenLine xmlns="" xmlns:a14="http://schemas.microsoft.com/office/drawing/2010/main" w="9525">
+                  <a14:hiddenLine xmlns:a14="http://schemas.microsoft.com/office/drawing/2010/main" xmlns="" w="9525">
                     <a:solidFill>
                       <a:srgbClr val="000000"/>
                     </a:solidFill>
@@ -13691,7 +13691,7 @@
               </a:ln>
               <a:extLst>
                 <a:ext uri="{91240B29-F687-4f45-9708-019B960494DF}">
-                  <a14:hiddenLine xmlns="" xmlns:a14="http://schemas.microsoft.com/office/drawing/2010/main" w="9525">
+                  <a14:hiddenLine xmlns:a14="http://schemas.microsoft.com/office/drawing/2010/main" xmlns="" w="9525">
                     <a:solidFill>
                       <a:srgbClr val="000000"/>
                     </a:solidFill>
@@ -13775,7 +13775,7 @@
               </a:ln>
               <a:extLst>
                 <a:ext uri="{91240B29-F687-4f45-9708-019B960494DF}">
-                  <a14:hiddenLine xmlns="" xmlns:a14="http://schemas.microsoft.com/office/drawing/2010/main" w="9525">
+                  <a14:hiddenLine xmlns:a14="http://schemas.microsoft.com/office/drawing/2010/main" xmlns="" w="9525">
                     <a:solidFill>
                       <a:srgbClr val="000000"/>
                     </a:solidFill>
@@ -13837,7 +13837,7 @@
               </a:ln>
               <a:extLst>
                 <a:ext uri="{91240B29-F687-4f45-9708-019B960494DF}">
-                  <a14:hiddenLine xmlns="" xmlns:a14="http://schemas.microsoft.com/office/drawing/2010/main" w="9525">
+                  <a14:hiddenLine xmlns:a14="http://schemas.microsoft.com/office/drawing/2010/main" xmlns="" w="9525">
                     <a:solidFill>
                       <a:srgbClr val="000000"/>
                     </a:solidFill>
@@ -13899,7 +13899,7 @@
               </a:ln>
               <a:extLst>
                 <a:ext uri="{91240B29-F687-4f45-9708-019B960494DF}">
-                  <a14:hiddenLine xmlns="" xmlns:a14="http://schemas.microsoft.com/office/drawing/2010/main" w="9525">
+                  <a14:hiddenLine xmlns:a14="http://schemas.microsoft.com/office/drawing/2010/main" xmlns="" w="9525">
                     <a:solidFill>
                       <a:srgbClr val="000000"/>
                     </a:solidFill>
@@ -13989,7 +13989,7 @@
               </a:ln>
               <a:extLst>
                 <a:ext uri="{91240B29-F687-4f45-9708-019B960494DF}">
-                  <a14:hiddenLine xmlns="" xmlns:a14="http://schemas.microsoft.com/office/drawing/2010/main" w="9525">
+                  <a14:hiddenLine xmlns:a14="http://schemas.microsoft.com/office/drawing/2010/main" xmlns="" w="9525">
                     <a:solidFill>
                       <a:srgbClr val="000000"/>
                     </a:solidFill>
@@ -14023,7 +14023,7 @@
               </a:ln>
               <a:extLst>
                 <a:ext uri="{91240B29-F687-4f45-9708-019B960494DF}">
-                  <a14:hiddenLine xmlns="" xmlns:a14="http://schemas.microsoft.com/office/drawing/2010/main" w="9525">
+                  <a14:hiddenLine xmlns:a14="http://schemas.microsoft.com/office/drawing/2010/main" xmlns="" w="9525">
                     <a:solidFill>
                       <a:srgbClr val="000000"/>
                     </a:solidFill>
@@ -14088,7 +14088,7 @@
               </a:ln>
               <a:extLst>
                 <a:ext uri="{91240B29-F687-4f45-9708-019B960494DF}">
-                  <a14:hiddenLine xmlns="" xmlns:a14="http://schemas.microsoft.com/office/drawing/2010/main" w="9525">
+                  <a14:hiddenLine xmlns:a14="http://schemas.microsoft.com/office/drawing/2010/main" xmlns="" w="9525">
                     <a:solidFill>
                       <a:srgbClr val="000000"/>
                     </a:solidFill>
@@ -14178,7 +14178,7 @@
               </a:ln>
               <a:extLst>
                 <a:ext uri="{91240B29-F687-4f45-9708-019B960494DF}">
-                  <a14:hiddenLine xmlns="" xmlns:a14="http://schemas.microsoft.com/office/drawing/2010/main" w="9525">
+                  <a14:hiddenLine xmlns:a14="http://schemas.microsoft.com/office/drawing/2010/main" xmlns="" w="9525">
                     <a:solidFill>
                       <a:srgbClr val="000000"/>
                     </a:solidFill>
@@ -14240,7 +14240,7 @@
               </a:ln>
               <a:extLst>
                 <a:ext uri="{91240B29-F687-4f45-9708-019B960494DF}">
-                  <a14:hiddenLine xmlns="" xmlns:a14="http://schemas.microsoft.com/office/drawing/2010/main" w="9525">
+                  <a14:hiddenLine xmlns:a14="http://schemas.microsoft.com/office/drawing/2010/main" xmlns="" w="9525">
                     <a:solidFill>
                       <a:srgbClr val="000000"/>
                     </a:solidFill>
@@ -14330,7 +14330,7 @@
               </a:ln>
               <a:extLst>
                 <a:ext uri="{91240B29-F687-4f45-9708-019B960494DF}">
-                  <a14:hiddenLine xmlns="" xmlns:a14="http://schemas.microsoft.com/office/drawing/2010/main" w="9525">
+                  <a14:hiddenLine xmlns:a14="http://schemas.microsoft.com/office/drawing/2010/main" xmlns="" w="9525">
                     <a:solidFill>
                       <a:srgbClr val="000000"/>
                     </a:solidFill>
@@ -14395,7 +14395,7 @@
               </a:ln>
               <a:extLst>
                 <a:ext uri="{91240B29-F687-4f45-9708-019B960494DF}">
-                  <a14:hiddenLine xmlns="" xmlns:a14="http://schemas.microsoft.com/office/drawing/2010/main" w="9525">
+                  <a14:hiddenLine xmlns:a14="http://schemas.microsoft.com/office/drawing/2010/main" xmlns="" w="9525">
                     <a:solidFill>
                       <a:srgbClr val="000000"/>
                     </a:solidFill>
@@ -14457,7 +14457,7 @@
               </a:ln>
               <a:extLst>
                 <a:ext uri="{91240B29-F687-4f45-9708-019B960494DF}">
-                  <a14:hiddenLine xmlns="" xmlns:a14="http://schemas.microsoft.com/office/drawing/2010/main" w="9525">
+                  <a14:hiddenLine xmlns:a14="http://schemas.microsoft.com/office/drawing/2010/main" xmlns="" w="9525">
                     <a:solidFill>
                       <a:srgbClr val="000000"/>
                     </a:solidFill>
@@ -14547,7 +14547,7 @@
               </a:ln>
               <a:extLst>
                 <a:ext uri="{91240B29-F687-4f45-9708-019B960494DF}">
-                  <a14:hiddenLine xmlns="" xmlns:a14="http://schemas.microsoft.com/office/drawing/2010/main" w="9525">
+                  <a14:hiddenLine xmlns:a14="http://schemas.microsoft.com/office/drawing/2010/main" xmlns="" w="9525">
                     <a:solidFill>
                       <a:srgbClr val="000000"/>
                     </a:solidFill>
@@ -14637,7 +14637,7 @@
               </a:ln>
               <a:extLst>
                 <a:ext uri="{91240B29-F687-4f45-9708-019B960494DF}">
-                  <a14:hiddenLine xmlns="" xmlns:a14="http://schemas.microsoft.com/office/drawing/2010/main" w="9525">
+                  <a14:hiddenLine xmlns:a14="http://schemas.microsoft.com/office/drawing/2010/main" xmlns="" w="9525">
                     <a:solidFill>
                       <a:srgbClr val="000000"/>
                     </a:solidFill>
@@ -14702,7 +14702,7 @@
               </a:ln>
               <a:extLst>
                 <a:ext uri="{91240B29-F687-4f45-9708-019B960494DF}">
-                  <a14:hiddenLine xmlns="" xmlns:a14="http://schemas.microsoft.com/office/drawing/2010/main" w="9525">
+                  <a14:hiddenLine xmlns:a14="http://schemas.microsoft.com/office/drawing/2010/main" xmlns="" w="9525">
                     <a:solidFill>
                       <a:srgbClr val="000000"/>
                     </a:solidFill>
@@ -14822,7 +14822,7 @@
               </a:ln>
               <a:extLst>
                 <a:ext uri="{91240B29-F687-4f45-9708-019B960494DF}">
-                  <a14:hiddenLine xmlns="" xmlns:a14="http://schemas.microsoft.com/office/drawing/2010/main" w="9525">
+                  <a14:hiddenLine xmlns:a14="http://schemas.microsoft.com/office/drawing/2010/main" xmlns="" w="9525">
                     <a:solidFill>
                       <a:srgbClr val="000000"/>
                     </a:solidFill>
@@ -14920,7 +14920,7 @@
               </a:ln>
               <a:extLst>
                 <a:ext uri="{91240B29-F687-4f45-9708-019B960494DF}">
-                  <a14:hiddenLine xmlns="" xmlns:a14="http://schemas.microsoft.com/office/drawing/2010/main" w="9525">
+                  <a14:hiddenLine xmlns:a14="http://schemas.microsoft.com/office/drawing/2010/main" xmlns="" w="9525">
                     <a:solidFill>
                       <a:srgbClr val="000000"/>
                     </a:solidFill>
@@ -15035,7 +15035,7 @@
               </a:ln>
               <a:extLst>
                 <a:ext uri="{91240B29-F687-4f45-9708-019B960494DF}">
-                  <a14:hiddenLine xmlns="" xmlns:a14="http://schemas.microsoft.com/office/drawing/2010/main" w="9525">
+                  <a14:hiddenLine xmlns:a14="http://schemas.microsoft.com/office/drawing/2010/main" xmlns="" w="9525">
                     <a:solidFill>
                       <a:srgbClr val="000000"/>
                     </a:solidFill>
@@ -15125,7 +15125,7 @@
               </a:ln>
               <a:extLst>
                 <a:ext uri="{91240B29-F687-4f45-9708-019B960494DF}">
-                  <a14:hiddenLine xmlns="" xmlns:a14="http://schemas.microsoft.com/office/drawing/2010/main" w="9525">
+                  <a14:hiddenLine xmlns:a14="http://schemas.microsoft.com/office/drawing/2010/main" xmlns="" w="9525">
                     <a:solidFill>
                       <a:srgbClr val="000000"/>
                     </a:solidFill>
@@ -15190,7 +15190,7 @@
               </a:ln>
               <a:extLst>
                 <a:ext uri="{91240B29-F687-4f45-9708-019B960494DF}">
-                  <a14:hiddenLine xmlns="" xmlns:a14="http://schemas.microsoft.com/office/drawing/2010/main" w="9525">
+                  <a14:hiddenLine xmlns:a14="http://schemas.microsoft.com/office/drawing/2010/main" xmlns="" w="9525">
                     <a:solidFill>
                       <a:srgbClr val="000000"/>
                     </a:solidFill>
@@ -15280,7 +15280,7 @@
               </a:ln>
               <a:extLst>
                 <a:ext uri="{91240B29-F687-4f45-9708-019B960494DF}">
-                  <a14:hiddenLine xmlns="" xmlns:a14="http://schemas.microsoft.com/office/drawing/2010/main" w="9525">
+                  <a14:hiddenLine xmlns:a14="http://schemas.microsoft.com/office/drawing/2010/main" xmlns="" w="9525">
                     <a:solidFill>
                       <a:srgbClr val="000000"/>
                     </a:solidFill>
@@ -15348,7 +15348,7 @@
               </a:ln>
               <a:extLst>
                 <a:ext uri="{91240B29-F687-4f45-9708-019B960494DF}">
-                  <a14:hiddenLine xmlns="" xmlns:a14="http://schemas.microsoft.com/office/drawing/2010/main" w="9525">
+                  <a14:hiddenLine xmlns:a14="http://schemas.microsoft.com/office/drawing/2010/main" xmlns="" w="9525">
                     <a:solidFill>
                       <a:srgbClr val="000000"/>
                     </a:solidFill>
@@ -15438,7 +15438,7 @@
               </a:ln>
               <a:extLst>
                 <a:ext uri="{91240B29-F687-4f45-9708-019B960494DF}">
-                  <a14:hiddenLine xmlns="" xmlns:a14="http://schemas.microsoft.com/office/drawing/2010/main" w="9525">
+                  <a14:hiddenLine xmlns:a14="http://schemas.microsoft.com/office/drawing/2010/main" xmlns="" w="9525">
                     <a:solidFill>
                       <a:srgbClr val="000000"/>
                     </a:solidFill>
@@ -15506,7 +15506,7 @@
               </a:ln>
               <a:extLst>
                 <a:ext uri="{91240B29-F687-4f45-9708-019B960494DF}">
-                  <a14:hiddenLine xmlns="" xmlns:a14="http://schemas.microsoft.com/office/drawing/2010/main" w="9525">
+                  <a14:hiddenLine xmlns:a14="http://schemas.microsoft.com/office/drawing/2010/main" xmlns="" w="9525">
                     <a:solidFill>
                       <a:srgbClr val="000000"/>
                     </a:solidFill>
@@ -15596,7 +15596,7 @@
               </a:ln>
               <a:extLst>
                 <a:ext uri="{91240B29-F687-4f45-9708-019B960494DF}">
-                  <a14:hiddenLine xmlns="" xmlns:a14="http://schemas.microsoft.com/office/drawing/2010/main" w="9525">
+                  <a14:hiddenLine xmlns:a14="http://schemas.microsoft.com/office/drawing/2010/main" xmlns="" w="9525">
                     <a:solidFill>
                       <a:srgbClr val="000000"/>
                     </a:solidFill>
@@ -15630,7 +15630,7 @@
               </a:ln>
               <a:extLst>
                 <a:ext uri="{91240B29-F687-4f45-9708-019B960494DF}">
-                  <a14:hiddenLine xmlns="" xmlns:a14="http://schemas.microsoft.com/office/drawing/2010/main" w="9525">
+                  <a14:hiddenLine xmlns:a14="http://schemas.microsoft.com/office/drawing/2010/main" xmlns="" w="9525">
                     <a:solidFill>
                       <a:srgbClr val="000000"/>
                     </a:solidFill>
@@ -16361,7 +16361,7 @@
             <a:noFill/>
             <a:extLst>
               <a:ext uri="{909E8E84-426E-40dd-AFC4-6F175D3DCCD1}">
-                <a14:hiddenFill xmlns:a14="http://schemas.microsoft.com/office/drawing/2010/main" xmlns:p14="http://schemas.microsoft.com/office/powerpoint/2010/main" xmlns:a16="http://schemas.microsoft.com/office/drawing/2014/main" xmlns="">
+                <a14:hiddenFill xmlns="" xmlns:a16="http://schemas.microsoft.com/office/drawing/2014/main" xmlns:p14="http://schemas.microsoft.com/office/powerpoint/2010/main" xmlns:a14="http://schemas.microsoft.com/office/drawing/2010/main">
                   <a:solidFill>
                     <a:srgbClr val="FFFFFF"/>
                   </a:solidFill>
@@ -19383,7 +19383,7 @@
             </a:ln>
             <a:extLst>
               <a:ext uri="{91240B29-F687-4f45-9708-019B960494DF}">
-                <a14:hiddenLine xmlns="" xmlns:a16="http://schemas.microsoft.com/office/drawing/2014/main" xmlns:p14="http://schemas.microsoft.com/office/powerpoint/2010/main" xmlns:a14="http://schemas.microsoft.com/office/drawing/2010/main" w="9525">
+                <a14:hiddenLine xmlns:a14="http://schemas.microsoft.com/office/drawing/2010/main" xmlns:p14="http://schemas.microsoft.com/office/powerpoint/2010/main" xmlns:a16="http://schemas.microsoft.com/office/drawing/2014/main" xmlns="" w="9525">
                   <a:solidFill>
                     <a:srgbClr val="000000"/>
                   </a:solidFill>
@@ -19488,7 +19488,7 @@
             </a:ln>
             <a:extLst>
               <a:ext uri="{91240B29-F687-4f45-9708-019B960494DF}">
-                <a14:hiddenLine xmlns="" xmlns:a16="http://schemas.microsoft.com/office/drawing/2014/main" xmlns:p14="http://schemas.microsoft.com/office/powerpoint/2010/main" xmlns:a14="http://schemas.microsoft.com/office/drawing/2010/main" w="9525">
+                <a14:hiddenLine xmlns:a14="http://schemas.microsoft.com/office/drawing/2010/main" xmlns:p14="http://schemas.microsoft.com/office/powerpoint/2010/main" xmlns:a16="http://schemas.microsoft.com/office/drawing/2014/main" xmlns="" w="9525">
                   <a:solidFill>
                     <a:srgbClr val="000000"/>
                   </a:solidFill>
@@ -19593,7 +19593,7 @@
             </a:ln>
             <a:extLst>
               <a:ext uri="{91240B29-F687-4f45-9708-019B960494DF}">
-                <a14:hiddenLine xmlns="" xmlns:a16="http://schemas.microsoft.com/office/drawing/2014/main" xmlns:p14="http://schemas.microsoft.com/office/powerpoint/2010/main" xmlns:a14="http://schemas.microsoft.com/office/drawing/2010/main" w="9525">
+                <a14:hiddenLine xmlns:a14="http://schemas.microsoft.com/office/drawing/2010/main" xmlns:p14="http://schemas.microsoft.com/office/powerpoint/2010/main" xmlns:a16="http://schemas.microsoft.com/office/drawing/2014/main" xmlns="" w="9525">
                   <a:solidFill>
                     <a:srgbClr val="000000"/>
                   </a:solidFill>
@@ -19670,7 +19670,7 @@
             </a:ln>
             <a:extLst>
               <a:ext uri="{91240B29-F687-4f45-9708-019B960494DF}">
-                <a14:hiddenLine xmlns="" xmlns:a16="http://schemas.microsoft.com/office/drawing/2014/main" xmlns:p14="http://schemas.microsoft.com/office/powerpoint/2010/main" xmlns:a14="http://schemas.microsoft.com/office/drawing/2010/main" w="9525">
+                <a14:hiddenLine xmlns:a14="http://schemas.microsoft.com/office/drawing/2010/main" xmlns:p14="http://schemas.microsoft.com/office/powerpoint/2010/main" xmlns:a16="http://schemas.microsoft.com/office/drawing/2014/main" xmlns="" w="9525">
                   <a:solidFill>
                     <a:srgbClr val="000000"/>
                   </a:solidFill>
@@ -19775,7 +19775,7 @@
             </a:ln>
             <a:extLst>
               <a:ext uri="{91240B29-F687-4f45-9708-019B960494DF}">
-                <a14:hiddenLine xmlns="" xmlns:a16="http://schemas.microsoft.com/office/drawing/2014/main" xmlns:p14="http://schemas.microsoft.com/office/powerpoint/2010/main" xmlns:a14="http://schemas.microsoft.com/office/drawing/2010/main" w="9525">
+                <a14:hiddenLine xmlns:a14="http://schemas.microsoft.com/office/drawing/2010/main" xmlns:p14="http://schemas.microsoft.com/office/powerpoint/2010/main" xmlns:a16="http://schemas.microsoft.com/office/drawing/2014/main" xmlns="" w="9525">
                   <a:solidFill>
                     <a:srgbClr val="000000"/>
                   </a:solidFill>
@@ -19852,7 +19852,7 @@
             </a:ln>
             <a:extLst>
               <a:ext uri="{91240B29-F687-4f45-9708-019B960494DF}">
-                <a14:hiddenLine xmlns="" xmlns:a16="http://schemas.microsoft.com/office/drawing/2014/main" xmlns:p14="http://schemas.microsoft.com/office/powerpoint/2010/main" xmlns:a14="http://schemas.microsoft.com/office/drawing/2010/main" w="9525">
+                <a14:hiddenLine xmlns:a14="http://schemas.microsoft.com/office/drawing/2010/main" xmlns:p14="http://schemas.microsoft.com/office/powerpoint/2010/main" xmlns:a16="http://schemas.microsoft.com/office/drawing/2014/main" xmlns="" w="9525">
                   <a:solidFill>
                     <a:srgbClr val="000000"/>
                   </a:solidFill>
@@ -19929,7 +19929,7 @@
             </a:ln>
             <a:extLst>
               <a:ext uri="{91240B29-F687-4f45-9708-019B960494DF}">
-                <a14:hiddenLine xmlns="" xmlns:a16="http://schemas.microsoft.com/office/drawing/2014/main" xmlns:p14="http://schemas.microsoft.com/office/powerpoint/2010/main" xmlns:a14="http://schemas.microsoft.com/office/drawing/2010/main" w="9525">
+                <a14:hiddenLine xmlns:a14="http://schemas.microsoft.com/office/drawing/2010/main" xmlns:p14="http://schemas.microsoft.com/office/powerpoint/2010/main" xmlns:a16="http://schemas.microsoft.com/office/drawing/2014/main" xmlns="" w="9525">
                   <a:solidFill>
                     <a:srgbClr val="000000"/>
                   </a:solidFill>
@@ -20034,7 +20034,7 @@
             </a:ln>
             <a:extLst>
               <a:ext uri="{91240B29-F687-4f45-9708-019B960494DF}">
-                <a14:hiddenLine xmlns="" xmlns:a16="http://schemas.microsoft.com/office/drawing/2014/main" xmlns:p14="http://schemas.microsoft.com/office/powerpoint/2010/main" xmlns:a14="http://schemas.microsoft.com/office/drawing/2010/main" w="9525">
+                <a14:hiddenLine xmlns:a14="http://schemas.microsoft.com/office/drawing/2010/main" xmlns:p14="http://schemas.microsoft.com/office/powerpoint/2010/main" xmlns:a16="http://schemas.microsoft.com/office/drawing/2014/main" xmlns="" w="9525">
                   <a:solidFill>
                     <a:srgbClr val="000000"/>
                   </a:solidFill>
@@ -20139,7 +20139,7 @@
             </a:ln>
             <a:extLst>
               <a:ext uri="{91240B29-F687-4f45-9708-019B960494DF}">
-                <a14:hiddenLine xmlns="" xmlns:a16="http://schemas.microsoft.com/office/drawing/2014/main" xmlns:p14="http://schemas.microsoft.com/office/powerpoint/2010/main" xmlns:a14="http://schemas.microsoft.com/office/drawing/2010/main" w="9525">
+                <a14:hiddenLine xmlns:a14="http://schemas.microsoft.com/office/drawing/2010/main" xmlns:p14="http://schemas.microsoft.com/office/powerpoint/2010/main" xmlns:a16="http://schemas.microsoft.com/office/drawing/2014/main" xmlns="" w="9525">
                   <a:solidFill>
                     <a:srgbClr val="000000"/>
                   </a:solidFill>
@@ -20216,7 +20216,7 @@
             </a:ln>
             <a:extLst>
               <a:ext uri="{91240B29-F687-4f45-9708-019B960494DF}">
-                <a14:hiddenLine xmlns="" xmlns:a16="http://schemas.microsoft.com/office/drawing/2014/main" xmlns:p14="http://schemas.microsoft.com/office/powerpoint/2010/main" xmlns:a14="http://schemas.microsoft.com/office/drawing/2010/main" w="9525">
+                <a14:hiddenLine xmlns:a14="http://schemas.microsoft.com/office/drawing/2010/main" xmlns:p14="http://schemas.microsoft.com/office/powerpoint/2010/main" xmlns:a16="http://schemas.microsoft.com/office/drawing/2014/main" xmlns="" w="9525">
                   <a:solidFill>
                     <a:srgbClr val="000000"/>
                   </a:solidFill>
@@ -20341,7 +20341,7 @@
             </a:ln>
             <a:extLst>
               <a:ext uri="{91240B29-F687-4f45-9708-019B960494DF}">
-                <a14:hiddenLine xmlns="" xmlns:a16="http://schemas.microsoft.com/office/drawing/2014/main" xmlns:p14="http://schemas.microsoft.com/office/powerpoint/2010/main" xmlns:a14="http://schemas.microsoft.com/office/drawing/2010/main" w="9525">
+                <a14:hiddenLine xmlns:a14="http://schemas.microsoft.com/office/drawing/2010/main" xmlns:p14="http://schemas.microsoft.com/office/powerpoint/2010/main" xmlns:a16="http://schemas.microsoft.com/office/drawing/2014/main" xmlns="" w="9525">
                   <a:solidFill>
                     <a:srgbClr val="000000"/>
                   </a:solidFill>
@@ -20455,7 +20455,7 @@
             </a:ln>
             <a:extLst>
               <a:ext uri="{91240B29-F687-4f45-9708-019B960494DF}">
-                <a14:hiddenLine xmlns="" xmlns:a16="http://schemas.microsoft.com/office/drawing/2014/main" xmlns:p14="http://schemas.microsoft.com/office/powerpoint/2010/main" xmlns:a14="http://schemas.microsoft.com/office/drawing/2010/main" w="9525">
+                <a14:hiddenLine xmlns:a14="http://schemas.microsoft.com/office/drawing/2010/main" xmlns:p14="http://schemas.microsoft.com/office/powerpoint/2010/main" xmlns:a16="http://schemas.microsoft.com/office/drawing/2014/main" xmlns="" w="9525">
                   <a:solidFill>
                     <a:srgbClr val="000000"/>
                   </a:solidFill>
@@ -20532,7 +20532,7 @@
             </a:ln>
             <a:extLst>
               <a:ext uri="{91240B29-F687-4f45-9708-019B960494DF}">
-                <a14:hiddenLine xmlns="" xmlns:a16="http://schemas.microsoft.com/office/drawing/2014/main" xmlns:p14="http://schemas.microsoft.com/office/powerpoint/2010/main" xmlns:a14="http://schemas.microsoft.com/office/drawing/2010/main" w="9525">
+                <a14:hiddenLine xmlns:a14="http://schemas.microsoft.com/office/drawing/2010/main" xmlns:p14="http://schemas.microsoft.com/office/powerpoint/2010/main" xmlns:a16="http://schemas.microsoft.com/office/drawing/2014/main" xmlns="" w="9525">
                   <a:solidFill>
                     <a:srgbClr val="000000"/>
                   </a:solidFill>
@@ -20609,7 +20609,7 @@
             </a:ln>
             <a:extLst>
               <a:ext uri="{91240B29-F687-4f45-9708-019B960494DF}">
-                <a14:hiddenLine xmlns="" xmlns:a16="http://schemas.microsoft.com/office/drawing/2014/main" xmlns:p14="http://schemas.microsoft.com/office/powerpoint/2010/main" xmlns:a14="http://schemas.microsoft.com/office/drawing/2010/main" w="9525">
+                <a14:hiddenLine xmlns:a14="http://schemas.microsoft.com/office/drawing/2010/main" xmlns:p14="http://schemas.microsoft.com/office/powerpoint/2010/main" xmlns:a16="http://schemas.microsoft.com/office/drawing/2014/main" xmlns="" w="9525">
                   <a:solidFill>
                     <a:srgbClr val="000000"/>
                   </a:solidFill>
@@ -20714,7 +20714,7 @@
             </a:ln>
             <a:extLst>
               <a:ext uri="{91240B29-F687-4f45-9708-019B960494DF}">
-                <a14:hiddenLine xmlns="" xmlns:a16="http://schemas.microsoft.com/office/drawing/2014/main" xmlns:p14="http://schemas.microsoft.com/office/powerpoint/2010/main" xmlns:a14="http://schemas.microsoft.com/office/drawing/2010/main" w="9525">
+                <a14:hiddenLine xmlns:a14="http://schemas.microsoft.com/office/drawing/2010/main" xmlns:p14="http://schemas.microsoft.com/office/powerpoint/2010/main" xmlns:a16="http://schemas.microsoft.com/office/drawing/2014/main" xmlns="" w="9525">
                   <a:solidFill>
                     <a:srgbClr val="000000"/>
                   </a:solidFill>
@@ -20763,7 +20763,7 @@
             </a:ln>
             <a:extLst>
               <a:ext uri="{91240B29-F687-4f45-9708-019B960494DF}">
-                <a14:hiddenLine xmlns="" xmlns:a16="http://schemas.microsoft.com/office/drawing/2014/main" xmlns:p14="http://schemas.microsoft.com/office/powerpoint/2010/main" xmlns:a14="http://schemas.microsoft.com/office/drawing/2010/main" w="9525">
+                <a14:hiddenLine xmlns:a14="http://schemas.microsoft.com/office/drawing/2010/main" xmlns:p14="http://schemas.microsoft.com/office/powerpoint/2010/main" xmlns:a16="http://schemas.microsoft.com/office/drawing/2014/main" xmlns="" w="9525">
                   <a:solidFill>
                     <a:srgbClr val="000000"/>
                   </a:solidFill>
@@ -20843,7 +20843,7 @@
             </a:ln>
             <a:extLst>
               <a:ext uri="{91240B29-F687-4f45-9708-019B960494DF}">
-                <a14:hiddenLine xmlns="" xmlns:a16="http://schemas.microsoft.com/office/drawing/2014/main" xmlns:p14="http://schemas.microsoft.com/office/powerpoint/2010/main" xmlns:a14="http://schemas.microsoft.com/office/drawing/2010/main" w="9525">
+                <a14:hiddenLine xmlns:a14="http://schemas.microsoft.com/office/drawing/2010/main" xmlns:p14="http://schemas.microsoft.com/office/powerpoint/2010/main" xmlns:a16="http://schemas.microsoft.com/office/drawing/2014/main" xmlns="" w="9525">
                   <a:solidFill>
                     <a:srgbClr val="000000"/>
                   </a:solidFill>
@@ -20948,7 +20948,7 @@
             </a:ln>
             <a:extLst>
               <a:ext uri="{91240B29-F687-4f45-9708-019B960494DF}">
-                <a14:hiddenLine xmlns="" xmlns:a16="http://schemas.microsoft.com/office/drawing/2014/main" xmlns:p14="http://schemas.microsoft.com/office/powerpoint/2010/main" xmlns:a14="http://schemas.microsoft.com/office/drawing/2010/main" w="9525">
+                <a14:hiddenLine xmlns:a14="http://schemas.microsoft.com/office/drawing/2010/main" xmlns:p14="http://schemas.microsoft.com/office/powerpoint/2010/main" xmlns:a16="http://schemas.microsoft.com/office/drawing/2014/main" xmlns="" w="9525">
                   <a:solidFill>
                     <a:srgbClr val="000000"/>
                   </a:solidFill>
@@ -21025,7 +21025,7 @@
             </a:ln>
             <a:extLst>
               <a:ext uri="{91240B29-F687-4f45-9708-019B960494DF}">
-                <a14:hiddenLine xmlns="" xmlns:a16="http://schemas.microsoft.com/office/drawing/2014/main" xmlns:p14="http://schemas.microsoft.com/office/powerpoint/2010/main" xmlns:a14="http://schemas.microsoft.com/office/drawing/2010/main" w="9525">
+                <a14:hiddenLine xmlns:a14="http://schemas.microsoft.com/office/drawing/2010/main" xmlns:p14="http://schemas.microsoft.com/office/powerpoint/2010/main" xmlns:a16="http://schemas.microsoft.com/office/drawing/2014/main" xmlns="" w="9525">
                   <a:solidFill>
                     <a:srgbClr val="000000"/>
                   </a:solidFill>
@@ -21130,7 +21130,7 @@
             </a:ln>
             <a:extLst>
               <a:ext uri="{91240B29-F687-4f45-9708-019B960494DF}">
-                <a14:hiddenLine xmlns="" xmlns:a16="http://schemas.microsoft.com/office/drawing/2014/main" xmlns:p14="http://schemas.microsoft.com/office/powerpoint/2010/main" xmlns:a14="http://schemas.microsoft.com/office/drawing/2010/main" w="9525">
+                <a14:hiddenLine xmlns:a14="http://schemas.microsoft.com/office/drawing/2010/main" xmlns:p14="http://schemas.microsoft.com/office/powerpoint/2010/main" xmlns:a16="http://schemas.microsoft.com/office/drawing/2014/main" xmlns="" w="9525">
                   <a:solidFill>
                     <a:srgbClr val="000000"/>
                   </a:solidFill>
@@ -21210,7 +21210,7 @@
             </a:ln>
             <a:extLst>
               <a:ext uri="{91240B29-F687-4f45-9708-019B960494DF}">
-                <a14:hiddenLine xmlns="" xmlns:a16="http://schemas.microsoft.com/office/drawing/2014/main" xmlns:p14="http://schemas.microsoft.com/office/powerpoint/2010/main" xmlns:a14="http://schemas.microsoft.com/office/drawing/2010/main" w="9525">
+                <a14:hiddenLine xmlns:a14="http://schemas.microsoft.com/office/drawing/2010/main" xmlns:p14="http://schemas.microsoft.com/office/powerpoint/2010/main" xmlns:a16="http://schemas.microsoft.com/office/drawing/2014/main" xmlns="" w="9525">
                   <a:solidFill>
                     <a:srgbClr val="000000"/>
                   </a:solidFill>
@@ -21287,7 +21287,7 @@
             </a:ln>
             <a:extLst>
               <a:ext uri="{91240B29-F687-4f45-9708-019B960494DF}">
-                <a14:hiddenLine xmlns="" xmlns:a16="http://schemas.microsoft.com/office/drawing/2014/main" xmlns:p14="http://schemas.microsoft.com/office/powerpoint/2010/main" xmlns:a14="http://schemas.microsoft.com/office/drawing/2010/main" w="9525">
+                <a14:hiddenLine xmlns:a14="http://schemas.microsoft.com/office/drawing/2010/main" xmlns:p14="http://schemas.microsoft.com/office/powerpoint/2010/main" xmlns:a16="http://schemas.microsoft.com/office/drawing/2014/main" xmlns="" w="9525">
                   <a:solidFill>
                     <a:srgbClr val="000000"/>
                   </a:solidFill>
@@ -21392,7 +21392,7 @@
             </a:ln>
             <a:extLst>
               <a:ext uri="{91240B29-F687-4f45-9708-019B960494DF}">
-                <a14:hiddenLine xmlns="" xmlns:a16="http://schemas.microsoft.com/office/drawing/2014/main" xmlns:p14="http://schemas.microsoft.com/office/powerpoint/2010/main" xmlns:a14="http://schemas.microsoft.com/office/drawing/2010/main" w="9525">
+                <a14:hiddenLine xmlns:a14="http://schemas.microsoft.com/office/drawing/2010/main" xmlns:p14="http://schemas.microsoft.com/office/powerpoint/2010/main" xmlns:a16="http://schemas.microsoft.com/office/drawing/2014/main" xmlns="" w="9525">
                   <a:solidFill>
                     <a:srgbClr val="000000"/>
                   </a:solidFill>
@@ -21497,7 +21497,7 @@
             </a:ln>
             <a:extLst>
               <a:ext uri="{91240B29-F687-4f45-9708-019B960494DF}">
-                <a14:hiddenLine xmlns="" xmlns:a16="http://schemas.microsoft.com/office/drawing/2014/main" xmlns:p14="http://schemas.microsoft.com/office/powerpoint/2010/main" xmlns:a14="http://schemas.microsoft.com/office/drawing/2010/main" w="9525">
+                <a14:hiddenLine xmlns:a14="http://schemas.microsoft.com/office/drawing/2010/main" xmlns:p14="http://schemas.microsoft.com/office/powerpoint/2010/main" xmlns:a16="http://schemas.microsoft.com/office/drawing/2014/main" xmlns="" w="9525">
                   <a:solidFill>
                     <a:srgbClr val="000000"/>
                   </a:solidFill>
@@ -21577,7 +21577,7 @@
             </a:ln>
             <a:extLst>
               <a:ext uri="{91240B29-F687-4f45-9708-019B960494DF}">
-                <a14:hiddenLine xmlns="" xmlns:a16="http://schemas.microsoft.com/office/drawing/2014/main" xmlns:p14="http://schemas.microsoft.com/office/powerpoint/2010/main" xmlns:a14="http://schemas.microsoft.com/office/drawing/2010/main" w="9525">
+                <a14:hiddenLine xmlns:a14="http://schemas.microsoft.com/office/drawing/2010/main" xmlns:p14="http://schemas.microsoft.com/office/powerpoint/2010/main" xmlns:a16="http://schemas.microsoft.com/office/drawing/2014/main" xmlns="" w="9525">
                   <a:solidFill>
                     <a:srgbClr val="000000"/>
                   </a:solidFill>
@@ -21712,7 +21712,7 @@
             </a:ln>
             <a:extLst>
               <a:ext uri="{91240B29-F687-4f45-9708-019B960494DF}">
-                <a14:hiddenLine xmlns="" xmlns:a16="http://schemas.microsoft.com/office/drawing/2014/main" xmlns:p14="http://schemas.microsoft.com/office/powerpoint/2010/main" xmlns:a14="http://schemas.microsoft.com/office/drawing/2010/main" w="9525">
+                <a14:hiddenLine xmlns:a14="http://schemas.microsoft.com/office/drawing/2010/main" xmlns:p14="http://schemas.microsoft.com/office/powerpoint/2010/main" xmlns:a16="http://schemas.microsoft.com/office/drawing/2014/main" xmlns="" w="9525">
                   <a:solidFill>
                     <a:srgbClr val="000000"/>
                   </a:solidFill>
@@ -30766,7 +30766,7 @@
             <p:ph idx="1"/>
             <p:extLst>
               <p:ext uri="{D42A27DB-BD31-4B8C-83A1-F6EECF244321}">
-                <p14:modId xmlns:p14="http://schemas.microsoft.com/office/powerpoint/2010/main" val="210643000"/>
+                <p14:modId xmlns:p14="http://schemas.microsoft.com/office/powerpoint/2010/main" val="1159472232"/>
               </p:ext>
             </p:extLst>
           </p:nvPr>
@@ -31032,7 +31032,7 @@
             </a:ln>
             <a:extLst>
               <a:ext uri="{91240B29-F687-4f45-9708-019B960494DF}">
-                <a14:hiddenLine xmlns:a14="http://schemas.microsoft.com/office/drawing/2010/main" xmlns:p14="http://schemas.microsoft.com/office/powerpoint/2010/main" xmlns:a16="http://schemas.microsoft.com/office/drawing/2014/main" xmlns="" w="9525">
+                <a14:hiddenLine xmlns="" xmlns:a16="http://schemas.microsoft.com/office/drawing/2014/main" xmlns:p14="http://schemas.microsoft.com/office/powerpoint/2010/main" xmlns:a14="http://schemas.microsoft.com/office/drawing/2010/main" w="9525">
                   <a:solidFill>
                     <a:srgbClr val="000000"/>
                   </a:solidFill>
@@ -31137,7 +31137,7 @@
             </a:ln>
             <a:extLst>
               <a:ext uri="{91240B29-F687-4f45-9708-019B960494DF}">
-                <a14:hiddenLine xmlns:a14="http://schemas.microsoft.com/office/drawing/2010/main" xmlns:p14="http://schemas.microsoft.com/office/powerpoint/2010/main" xmlns:a16="http://schemas.microsoft.com/office/drawing/2014/main" xmlns="" w="9525">
+                <a14:hiddenLine xmlns="" xmlns:a16="http://schemas.microsoft.com/office/drawing/2014/main" xmlns:p14="http://schemas.microsoft.com/office/powerpoint/2010/main" xmlns:a14="http://schemas.microsoft.com/office/drawing/2010/main" w="9525">
                   <a:solidFill>
                     <a:srgbClr val="000000"/>
                   </a:solidFill>
@@ -31242,7 +31242,7 @@
             </a:ln>
             <a:extLst>
               <a:ext uri="{91240B29-F687-4f45-9708-019B960494DF}">
-                <a14:hiddenLine xmlns:a14="http://schemas.microsoft.com/office/drawing/2010/main" xmlns:p14="http://schemas.microsoft.com/office/powerpoint/2010/main" xmlns:a16="http://schemas.microsoft.com/office/drawing/2014/main" xmlns="" w="9525">
+                <a14:hiddenLine xmlns="" xmlns:a16="http://schemas.microsoft.com/office/drawing/2014/main" xmlns:p14="http://schemas.microsoft.com/office/powerpoint/2010/main" xmlns:a14="http://schemas.microsoft.com/office/drawing/2010/main" w="9525">
                   <a:solidFill>
                     <a:srgbClr val="000000"/>
                   </a:solidFill>
@@ -31319,7 +31319,7 @@
             </a:ln>
             <a:extLst>
               <a:ext uri="{91240B29-F687-4f45-9708-019B960494DF}">
-                <a14:hiddenLine xmlns:a14="http://schemas.microsoft.com/office/drawing/2010/main" xmlns:p14="http://schemas.microsoft.com/office/powerpoint/2010/main" xmlns:a16="http://schemas.microsoft.com/office/drawing/2014/main" xmlns="" w="9525">
+                <a14:hiddenLine xmlns="" xmlns:a16="http://schemas.microsoft.com/office/drawing/2014/main" xmlns:p14="http://schemas.microsoft.com/office/powerpoint/2010/main" xmlns:a14="http://schemas.microsoft.com/office/drawing/2010/main" w="9525">
                   <a:solidFill>
                     <a:srgbClr val="000000"/>
                   </a:solidFill>
@@ -31424,7 +31424,7 @@
             </a:ln>
             <a:extLst>
               <a:ext uri="{91240B29-F687-4f45-9708-019B960494DF}">
-                <a14:hiddenLine xmlns:a14="http://schemas.microsoft.com/office/drawing/2010/main" xmlns:p14="http://schemas.microsoft.com/office/powerpoint/2010/main" xmlns:a16="http://schemas.microsoft.com/office/drawing/2014/main" xmlns="" w="9525">
+                <a14:hiddenLine xmlns="" xmlns:a16="http://schemas.microsoft.com/office/drawing/2014/main" xmlns:p14="http://schemas.microsoft.com/office/powerpoint/2010/main" xmlns:a14="http://schemas.microsoft.com/office/drawing/2010/main" w="9525">
                   <a:solidFill>
                     <a:srgbClr val="000000"/>
                   </a:solidFill>
@@ -31501,7 +31501,7 @@
             </a:ln>
             <a:extLst>
               <a:ext uri="{91240B29-F687-4f45-9708-019B960494DF}">
-                <a14:hiddenLine xmlns:a14="http://schemas.microsoft.com/office/drawing/2010/main" xmlns:p14="http://schemas.microsoft.com/office/powerpoint/2010/main" xmlns:a16="http://schemas.microsoft.com/office/drawing/2014/main" xmlns="" w="9525">
+                <a14:hiddenLine xmlns="" xmlns:a16="http://schemas.microsoft.com/office/drawing/2014/main" xmlns:p14="http://schemas.microsoft.com/office/powerpoint/2010/main" xmlns:a14="http://schemas.microsoft.com/office/drawing/2010/main" w="9525">
                   <a:solidFill>
                     <a:srgbClr val="000000"/>
                   </a:solidFill>
@@ -31578,7 +31578,7 @@
             </a:ln>
             <a:extLst>
               <a:ext uri="{91240B29-F687-4f45-9708-019B960494DF}">
-                <a14:hiddenLine xmlns:a14="http://schemas.microsoft.com/office/drawing/2010/main" xmlns:p14="http://schemas.microsoft.com/office/powerpoint/2010/main" xmlns:a16="http://schemas.microsoft.com/office/drawing/2014/main" xmlns="" w="9525">
+                <a14:hiddenLine xmlns="" xmlns:a16="http://schemas.microsoft.com/office/drawing/2014/main" xmlns:p14="http://schemas.microsoft.com/office/powerpoint/2010/main" xmlns:a14="http://schemas.microsoft.com/office/drawing/2010/main" w="9525">
                   <a:solidFill>
                     <a:srgbClr val="000000"/>
                   </a:solidFill>
@@ -31683,7 +31683,7 @@
             </a:ln>
             <a:extLst>
               <a:ext uri="{91240B29-F687-4f45-9708-019B960494DF}">
-                <a14:hiddenLine xmlns:a14="http://schemas.microsoft.com/office/drawing/2010/main" xmlns:p14="http://schemas.microsoft.com/office/powerpoint/2010/main" xmlns:a16="http://schemas.microsoft.com/office/drawing/2014/main" xmlns="" w="9525">
+                <a14:hiddenLine xmlns="" xmlns:a16="http://schemas.microsoft.com/office/drawing/2014/main" xmlns:p14="http://schemas.microsoft.com/office/powerpoint/2010/main" xmlns:a14="http://schemas.microsoft.com/office/drawing/2010/main" w="9525">
                   <a:solidFill>
                     <a:srgbClr val="000000"/>
                   </a:solidFill>
@@ -31788,7 +31788,7 @@
             </a:ln>
             <a:extLst>
               <a:ext uri="{91240B29-F687-4f45-9708-019B960494DF}">
-                <a14:hiddenLine xmlns:a14="http://schemas.microsoft.com/office/drawing/2010/main" xmlns:p14="http://schemas.microsoft.com/office/powerpoint/2010/main" xmlns:a16="http://schemas.microsoft.com/office/drawing/2014/main" xmlns="" w="9525">
+                <a14:hiddenLine xmlns="" xmlns:a16="http://schemas.microsoft.com/office/drawing/2014/main" xmlns:p14="http://schemas.microsoft.com/office/powerpoint/2010/main" xmlns:a14="http://schemas.microsoft.com/office/drawing/2010/main" w="9525">
                   <a:solidFill>
                     <a:srgbClr val="000000"/>
                   </a:solidFill>
@@ -31865,7 +31865,7 @@
             </a:ln>
             <a:extLst>
               <a:ext uri="{91240B29-F687-4f45-9708-019B960494DF}">
-                <a14:hiddenLine xmlns:a14="http://schemas.microsoft.com/office/drawing/2010/main" xmlns:p14="http://schemas.microsoft.com/office/powerpoint/2010/main" xmlns:a16="http://schemas.microsoft.com/office/drawing/2014/main" xmlns="" w="9525">
+                <a14:hiddenLine xmlns="" xmlns:a16="http://schemas.microsoft.com/office/drawing/2014/main" xmlns:p14="http://schemas.microsoft.com/office/powerpoint/2010/main" xmlns:a14="http://schemas.microsoft.com/office/drawing/2010/main" w="9525">
                   <a:solidFill>
                     <a:srgbClr val="000000"/>
                   </a:solidFill>
@@ -31990,7 +31990,7 @@
             </a:ln>
             <a:extLst>
               <a:ext uri="{91240B29-F687-4f45-9708-019B960494DF}">
-                <a14:hiddenLine xmlns:a14="http://schemas.microsoft.com/office/drawing/2010/main" xmlns:p14="http://schemas.microsoft.com/office/powerpoint/2010/main" xmlns:a16="http://schemas.microsoft.com/office/drawing/2014/main" xmlns="" w="9525">
+                <a14:hiddenLine xmlns="" xmlns:a16="http://schemas.microsoft.com/office/drawing/2014/main" xmlns:p14="http://schemas.microsoft.com/office/powerpoint/2010/main" xmlns:a14="http://schemas.microsoft.com/office/drawing/2010/main" w="9525">
                   <a:solidFill>
                     <a:srgbClr val="000000"/>
                   </a:solidFill>
@@ -32104,7 +32104,7 @@
             </a:ln>
             <a:extLst>
               <a:ext uri="{91240B29-F687-4f45-9708-019B960494DF}">
-                <a14:hiddenLine xmlns:a14="http://schemas.microsoft.com/office/drawing/2010/main" xmlns:p14="http://schemas.microsoft.com/office/powerpoint/2010/main" xmlns:a16="http://schemas.microsoft.com/office/drawing/2014/main" xmlns="" w="9525">
+                <a14:hiddenLine xmlns="" xmlns:a16="http://schemas.microsoft.com/office/drawing/2014/main" xmlns:p14="http://schemas.microsoft.com/office/powerpoint/2010/main" xmlns:a14="http://schemas.microsoft.com/office/drawing/2010/main" w="9525">
                   <a:solidFill>
                     <a:srgbClr val="000000"/>
                   </a:solidFill>
@@ -32181,7 +32181,7 @@
             </a:ln>
             <a:extLst>
               <a:ext uri="{91240B29-F687-4f45-9708-019B960494DF}">
-                <a14:hiddenLine xmlns:a14="http://schemas.microsoft.com/office/drawing/2010/main" xmlns:p14="http://schemas.microsoft.com/office/powerpoint/2010/main" xmlns:a16="http://schemas.microsoft.com/office/drawing/2014/main" xmlns="" w="9525">
+                <a14:hiddenLine xmlns="" xmlns:a16="http://schemas.microsoft.com/office/drawing/2014/main" xmlns:p14="http://schemas.microsoft.com/office/powerpoint/2010/main" xmlns:a14="http://schemas.microsoft.com/office/drawing/2010/main" w="9525">
                   <a:solidFill>
                     <a:srgbClr val="000000"/>
                   </a:solidFill>
@@ -32258,7 +32258,7 @@
             </a:ln>
             <a:extLst>
               <a:ext uri="{91240B29-F687-4f45-9708-019B960494DF}">
-                <a14:hiddenLine xmlns:a14="http://schemas.microsoft.com/office/drawing/2010/main" xmlns:p14="http://schemas.microsoft.com/office/powerpoint/2010/main" xmlns:a16="http://schemas.microsoft.com/office/drawing/2014/main" xmlns="" w="9525">
+                <a14:hiddenLine xmlns="" xmlns:a16="http://schemas.microsoft.com/office/drawing/2014/main" xmlns:p14="http://schemas.microsoft.com/office/powerpoint/2010/main" xmlns:a14="http://schemas.microsoft.com/office/drawing/2010/main" w="9525">
                   <a:solidFill>
                     <a:srgbClr val="000000"/>
                   </a:solidFill>
@@ -32363,7 +32363,7 @@
             </a:ln>
             <a:extLst>
               <a:ext uri="{91240B29-F687-4f45-9708-019B960494DF}">
-                <a14:hiddenLine xmlns:a14="http://schemas.microsoft.com/office/drawing/2010/main" xmlns:p14="http://schemas.microsoft.com/office/powerpoint/2010/main" xmlns:a16="http://schemas.microsoft.com/office/drawing/2014/main" xmlns="" w="9525">
+                <a14:hiddenLine xmlns="" xmlns:a16="http://schemas.microsoft.com/office/drawing/2014/main" xmlns:p14="http://schemas.microsoft.com/office/powerpoint/2010/main" xmlns:a14="http://schemas.microsoft.com/office/drawing/2010/main" w="9525">
                   <a:solidFill>
                     <a:srgbClr val="000000"/>
                   </a:solidFill>
@@ -32412,7 +32412,7 @@
             </a:ln>
             <a:extLst>
               <a:ext uri="{91240B29-F687-4f45-9708-019B960494DF}">
-                <a14:hiddenLine xmlns:a14="http://schemas.microsoft.com/office/drawing/2010/main" xmlns:p14="http://schemas.microsoft.com/office/powerpoint/2010/main" xmlns:a16="http://schemas.microsoft.com/office/drawing/2014/main" xmlns="" w="9525">
+                <a14:hiddenLine xmlns="" xmlns:a16="http://schemas.microsoft.com/office/drawing/2014/main" xmlns:p14="http://schemas.microsoft.com/office/powerpoint/2010/main" xmlns:a14="http://schemas.microsoft.com/office/drawing/2010/main" w="9525">
                   <a:solidFill>
                     <a:srgbClr val="000000"/>
                   </a:solidFill>
@@ -32492,7 +32492,7 @@
             </a:ln>
             <a:extLst>
               <a:ext uri="{91240B29-F687-4f45-9708-019B960494DF}">
-                <a14:hiddenLine xmlns:a14="http://schemas.microsoft.com/office/drawing/2010/main" xmlns:p14="http://schemas.microsoft.com/office/powerpoint/2010/main" xmlns:a16="http://schemas.microsoft.com/office/drawing/2014/main" xmlns="" w="9525">
+                <a14:hiddenLine xmlns="" xmlns:a16="http://schemas.microsoft.com/office/drawing/2014/main" xmlns:p14="http://schemas.microsoft.com/office/powerpoint/2010/main" xmlns:a14="http://schemas.microsoft.com/office/drawing/2010/main" w="9525">
                   <a:solidFill>
                     <a:srgbClr val="000000"/>
                   </a:solidFill>
@@ -32597,7 +32597,7 @@
             </a:ln>
             <a:extLst>
               <a:ext uri="{91240B29-F687-4f45-9708-019B960494DF}">
-                <a14:hiddenLine xmlns:a14="http://schemas.microsoft.com/office/drawing/2010/main" xmlns:p14="http://schemas.microsoft.com/office/powerpoint/2010/main" xmlns:a16="http://schemas.microsoft.com/office/drawing/2014/main" xmlns="" w="9525">
+                <a14:hiddenLine xmlns="" xmlns:a16="http://schemas.microsoft.com/office/drawing/2014/main" xmlns:p14="http://schemas.microsoft.com/office/powerpoint/2010/main" xmlns:a14="http://schemas.microsoft.com/office/drawing/2010/main" w="9525">
                   <a:solidFill>
                     <a:srgbClr val="000000"/>
                   </a:solidFill>
@@ -32674,7 +32674,7 @@
             </a:ln>
             <a:extLst>
               <a:ext uri="{91240B29-F687-4f45-9708-019B960494DF}">
-                <a14:hiddenLine xmlns:a14="http://schemas.microsoft.com/office/drawing/2010/main" xmlns:p14="http://schemas.microsoft.com/office/powerpoint/2010/main" xmlns:a16="http://schemas.microsoft.com/office/drawing/2014/main" xmlns="" w="9525">
+                <a14:hiddenLine xmlns="" xmlns:a16="http://schemas.microsoft.com/office/drawing/2014/main" xmlns:p14="http://schemas.microsoft.com/office/powerpoint/2010/main" xmlns:a14="http://schemas.microsoft.com/office/drawing/2010/main" w="9525">
                   <a:solidFill>
                     <a:srgbClr val="000000"/>
                   </a:solidFill>
@@ -32779,7 +32779,7 @@
             </a:ln>
             <a:extLst>
               <a:ext uri="{91240B29-F687-4f45-9708-019B960494DF}">
-                <a14:hiddenLine xmlns:a14="http://schemas.microsoft.com/office/drawing/2010/main" xmlns:p14="http://schemas.microsoft.com/office/powerpoint/2010/main" xmlns:a16="http://schemas.microsoft.com/office/drawing/2014/main" xmlns="" w="9525">
+                <a14:hiddenLine xmlns="" xmlns:a16="http://schemas.microsoft.com/office/drawing/2014/main" xmlns:p14="http://schemas.microsoft.com/office/powerpoint/2010/main" xmlns:a14="http://schemas.microsoft.com/office/drawing/2010/main" w="9525">
                   <a:solidFill>
                     <a:srgbClr val="000000"/>
                   </a:solidFill>
@@ -32859,7 +32859,7 @@
             </a:ln>
             <a:extLst>
               <a:ext uri="{91240B29-F687-4f45-9708-019B960494DF}">
-                <a14:hiddenLine xmlns:a14="http://schemas.microsoft.com/office/drawing/2010/main" xmlns:p14="http://schemas.microsoft.com/office/powerpoint/2010/main" xmlns:a16="http://schemas.microsoft.com/office/drawing/2014/main" xmlns="" w="9525">
+                <a14:hiddenLine xmlns="" xmlns:a16="http://schemas.microsoft.com/office/drawing/2014/main" xmlns:p14="http://schemas.microsoft.com/office/powerpoint/2010/main" xmlns:a14="http://schemas.microsoft.com/office/drawing/2010/main" w="9525">
                   <a:solidFill>
                     <a:srgbClr val="000000"/>
                   </a:solidFill>
@@ -32936,7 +32936,7 @@
             </a:ln>
             <a:extLst>
               <a:ext uri="{91240B29-F687-4f45-9708-019B960494DF}">
-                <a14:hiddenLine xmlns:a14="http://schemas.microsoft.com/office/drawing/2010/main" xmlns:p14="http://schemas.microsoft.com/office/powerpoint/2010/main" xmlns:a16="http://schemas.microsoft.com/office/drawing/2014/main" xmlns="" w="9525">
+                <a14:hiddenLine xmlns="" xmlns:a16="http://schemas.microsoft.com/office/drawing/2014/main" xmlns:p14="http://schemas.microsoft.com/office/powerpoint/2010/main" xmlns:a14="http://schemas.microsoft.com/office/drawing/2010/main" w="9525">
                   <a:solidFill>
                     <a:srgbClr val="000000"/>
                   </a:solidFill>
@@ -33041,7 +33041,7 @@
             </a:ln>
             <a:extLst>
               <a:ext uri="{91240B29-F687-4f45-9708-019B960494DF}">
-                <a14:hiddenLine xmlns:a14="http://schemas.microsoft.com/office/drawing/2010/main" xmlns:p14="http://schemas.microsoft.com/office/powerpoint/2010/main" xmlns:a16="http://schemas.microsoft.com/office/drawing/2014/main" xmlns="" w="9525">
+                <a14:hiddenLine xmlns="" xmlns:a16="http://schemas.microsoft.com/office/drawing/2014/main" xmlns:p14="http://schemas.microsoft.com/office/powerpoint/2010/main" xmlns:a14="http://schemas.microsoft.com/office/drawing/2010/main" w="9525">
                   <a:solidFill>
                     <a:srgbClr val="000000"/>
                   </a:solidFill>
@@ -33146,7 +33146,7 @@
             </a:ln>
             <a:extLst>
               <a:ext uri="{91240B29-F687-4f45-9708-019B960494DF}">
-                <a14:hiddenLine xmlns:a14="http://schemas.microsoft.com/office/drawing/2010/main" xmlns:p14="http://schemas.microsoft.com/office/powerpoint/2010/main" xmlns:a16="http://schemas.microsoft.com/office/drawing/2014/main" xmlns="" w="9525">
+                <a14:hiddenLine xmlns="" xmlns:a16="http://schemas.microsoft.com/office/drawing/2014/main" xmlns:p14="http://schemas.microsoft.com/office/powerpoint/2010/main" xmlns:a14="http://schemas.microsoft.com/office/drawing/2010/main" w="9525">
                   <a:solidFill>
                     <a:srgbClr val="000000"/>
                   </a:solidFill>
@@ -33226,7 +33226,7 @@
             </a:ln>
             <a:extLst>
               <a:ext uri="{91240B29-F687-4f45-9708-019B960494DF}">
-                <a14:hiddenLine xmlns:a14="http://schemas.microsoft.com/office/drawing/2010/main" xmlns:p14="http://schemas.microsoft.com/office/powerpoint/2010/main" xmlns:a16="http://schemas.microsoft.com/office/drawing/2014/main" xmlns="" w="9525">
+                <a14:hiddenLine xmlns="" xmlns:a16="http://schemas.microsoft.com/office/drawing/2014/main" xmlns:p14="http://schemas.microsoft.com/office/powerpoint/2010/main" xmlns:a14="http://schemas.microsoft.com/office/drawing/2010/main" w="9525">
                   <a:solidFill>
                     <a:srgbClr val="000000"/>
                   </a:solidFill>
@@ -33361,7 +33361,7 @@
             </a:ln>
             <a:extLst>
               <a:ext uri="{91240B29-F687-4f45-9708-019B960494DF}">
-                <a14:hiddenLine xmlns:a14="http://schemas.microsoft.com/office/drawing/2010/main" xmlns:p14="http://schemas.microsoft.com/office/powerpoint/2010/main" xmlns:a16="http://schemas.microsoft.com/office/drawing/2014/main" xmlns="" w="9525">
+                <a14:hiddenLine xmlns="" xmlns:a16="http://schemas.microsoft.com/office/drawing/2014/main" xmlns:p14="http://schemas.microsoft.com/office/powerpoint/2010/main" xmlns:a14="http://schemas.microsoft.com/office/drawing/2010/main" w="9525">
                   <a:solidFill>
                     <a:srgbClr val="000000"/>
                   </a:solidFill>
